--- a/ENSE 470 Milestone 1.pptx
+++ b/ENSE 470 Milestone 1.pptx
@@ -169,7 +169,7 @@
           <a:noFill/>
           <a:extLst>
             <a:ext uri="{909E8E84-426E-40dd-AFC4-6F175D3DCCD1}">
-              <a14:hiddenFill xmlns:a14="http://schemas.microsoft.com/office/drawing/2010/main" xmlns="">
+              <a14:hiddenFill xmlns="" xmlns:a14="http://schemas.microsoft.com/office/drawing/2010/main">
                 <a:solidFill>
                   <a:srgbClr val="FFFFFF"/>
                 </a:solidFill>
@@ -229,7 +229,7 @@
             </a:ln>
             <a:extLst>
               <a:ext uri="{91240B29-F687-4f45-9708-019B960494DF}">
-                <a14:hiddenLine xmlns:a14="http://schemas.microsoft.com/office/drawing/2010/main" xmlns="" w="9525">
+                <a14:hiddenLine xmlns="" xmlns:a14="http://schemas.microsoft.com/office/drawing/2010/main" w="9525">
                   <a:solidFill>
                     <a:srgbClr val="000000"/>
                   </a:solidFill>
@@ -319,7 +319,7 @@
             </a:ln>
             <a:extLst>
               <a:ext uri="{91240B29-F687-4f45-9708-019B960494DF}">
-                <a14:hiddenLine xmlns:a14="http://schemas.microsoft.com/office/drawing/2010/main" xmlns="" w="9525">
+                <a14:hiddenLine xmlns="" xmlns:a14="http://schemas.microsoft.com/office/drawing/2010/main" w="9525">
                   <a:solidFill>
                     <a:srgbClr val="000000"/>
                   </a:solidFill>
@@ -409,7 +409,7 @@
             </a:ln>
             <a:extLst>
               <a:ext uri="{91240B29-F687-4f45-9708-019B960494DF}">
-                <a14:hiddenLine xmlns:a14="http://schemas.microsoft.com/office/drawing/2010/main" xmlns="" w="9525">
+                <a14:hiddenLine xmlns="" xmlns:a14="http://schemas.microsoft.com/office/drawing/2010/main" w="9525">
                   <a:solidFill>
                     <a:srgbClr val="000000"/>
                   </a:solidFill>
@@ -443,7 +443,7 @@
             </a:ln>
             <a:extLst>
               <a:ext uri="{91240B29-F687-4f45-9708-019B960494DF}">
-                <a14:hiddenLine xmlns:a14="http://schemas.microsoft.com/office/drawing/2010/main" xmlns="" w="9525">
+                <a14:hiddenLine xmlns="" xmlns:a14="http://schemas.microsoft.com/office/drawing/2010/main" w="9525">
                   <a:solidFill>
                     <a:srgbClr val="000000"/>
                   </a:solidFill>
@@ -533,7 +533,7 @@
             </a:ln>
             <a:extLst>
               <a:ext uri="{91240B29-F687-4f45-9708-019B960494DF}">
-                <a14:hiddenLine xmlns:a14="http://schemas.microsoft.com/office/drawing/2010/main" xmlns="" w="9525">
+                <a14:hiddenLine xmlns="" xmlns:a14="http://schemas.microsoft.com/office/drawing/2010/main" w="9525">
                   <a:solidFill>
                     <a:srgbClr val="000000"/>
                   </a:solidFill>
@@ -595,7 +595,7 @@
             </a:ln>
             <a:extLst>
               <a:ext uri="{91240B29-F687-4f45-9708-019B960494DF}">
-                <a14:hiddenLine xmlns:a14="http://schemas.microsoft.com/office/drawing/2010/main" xmlns="" w="9525">
+                <a14:hiddenLine xmlns="" xmlns:a14="http://schemas.microsoft.com/office/drawing/2010/main" w="9525">
                   <a:solidFill>
                     <a:srgbClr val="000000"/>
                   </a:solidFill>
@@ -657,7 +657,7 @@
             </a:ln>
             <a:extLst>
               <a:ext uri="{91240B29-F687-4f45-9708-019B960494DF}">
-                <a14:hiddenLine xmlns:a14="http://schemas.microsoft.com/office/drawing/2010/main" xmlns="" w="9525">
+                <a14:hiddenLine xmlns="" xmlns:a14="http://schemas.microsoft.com/office/drawing/2010/main" w="9525">
                   <a:solidFill>
                     <a:srgbClr val="000000"/>
                   </a:solidFill>
@@ -747,7 +747,7 @@
             </a:ln>
             <a:extLst>
               <a:ext uri="{91240B29-F687-4f45-9708-019B960494DF}">
-                <a14:hiddenLine xmlns:a14="http://schemas.microsoft.com/office/drawing/2010/main" xmlns="" w="9525">
+                <a14:hiddenLine xmlns="" xmlns:a14="http://schemas.microsoft.com/office/drawing/2010/main" w="9525">
                   <a:solidFill>
                     <a:srgbClr val="000000"/>
                   </a:solidFill>
@@ -809,7 +809,7 @@
             </a:ln>
             <a:extLst>
               <a:ext uri="{91240B29-F687-4f45-9708-019B960494DF}">
-                <a14:hiddenLine xmlns:a14="http://schemas.microsoft.com/office/drawing/2010/main" xmlns="" w="9525">
+                <a14:hiddenLine xmlns="" xmlns:a14="http://schemas.microsoft.com/office/drawing/2010/main" w="9525">
                   <a:solidFill>
                     <a:srgbClr val="000000"/>
                   </a:solidFill>
@@ -871,7 +871,7 @@
             </a:ln>
             <a:extLst>
               <a:ext uri="{91240B29-F687-4f45-9708-019B960494DF}">
-                <a14:hiddenLine xmlns:a14="http://schemas.microsoft.com/office/drawing/2010/main" xmlns="" w="9525">
+                <a14:hiddenLine xmlns="" xmlns:a14="http://schemas.microsoft.com/office/drawing/2010/main" w="9525">
                   <a:solidFill>
                     <a:srgbClr val="000000"/>
                   </a:solidFill>
@@ -961,7 +961,7 @@
             </a:ln>
             <a:extLst>
               <a:ext uri="{91240B29-F687-4f45-9708-019B960494DF}">
-                <a14:hiddenLine xmlns:a14="http://schemas.microsoft.com/office/drawing/2010/main" xmlns="" w="9525">
+                <a14:hiddenLine xmlns="" xmlns:a14="http://schemas.microsoft.com/office/drawing/2010/main" w="9525">
                   <a:solidFill>
                     <a:srgbClr val="000000"/>
                   </a:solidFill>
@@ -1051,7 +1051,7 @@
             </a:ln>
             <a:extLst>
               <a:ext uri="{91240B29-F687-4f45-9708-019B960494DF}">
-                <a14:hiddenLine xmlns:a14="http://schemas.microsoft.com/office/drawing/2010/main" xmlns="" w="9525">
+                <a14:hiddenLine xmlns="" xmlns:a14="http://schemas.microsoft.com/office/drawing/2010/main" w="9525">
                   <a:solidFill>
                     <a:srgbClr val="000000"/>
                   </a:solidFill>
@@ -1113,7 +1113,7 @@
             </a:ln>
             <a:extLst>
               <a:ext uri="{91240B29-F687-4f45-9708-019B960494DF}">
-                <a14:hiddenLine xmlns:a14="http://schemas.microsoft.com/office/drawing/2010/main" xmlns="" w="9525">
+                <a14:hiddenLine xmlns="" xmlns:a14="http://schemas.microsoft.com/office/drawing/2010/main" w="9525">
                   <a:solidFill>
                     <a:srgbClr val="000000"/>
                   </a:solidFill>
@@ -1223,7 +1223,7 @@
             </a:ln>
             <a:extLst>
               <a:ext uri="{91240B29-F687-4f45-9708-019B960494DF}">
-                <a14:hiddenLine xmlns:a14="http://schemas.microsoft.com/office/drawing/2010/main" xmlns="" w="9525">
+                <a14:hiddenLine xmlns="" xmlns:a14="http://schemas.microsoft.com/office/drawing/2010/main" w="9525">
                   <a:solidFill>
                     <a:srgbClr val="000000"/>
                   </a:solidFill>
@@ -1285,7 +1285,7 @@
             </a:ln>
             <a:extLst>
               <a:ext uri="{91240B29-F687-4f45-9708-019B960494DF}">
-                <a14:hiddenLine xmlns:a14="http://schemas.microsoft.com/office/drawing/2010/main" xmlns="" w="9525">
+                <a14:hiddenLine xmlns="" xmlns:a14="http://schemas.microsoft.com/office/drawing/2010/main" w="9525">
                   <a:solidFill>
                     <a:srgbClr val="000000"/>
                   </a:solidFill>
@@ -1375,7 +1375,7 @@
             </a:ln>
             <a:extLst>
               <a:ext uri="{91240B29-F687-4f45-9708-019B960494DF}">
-                <a14:hiddenLine xmlns:a14="http://schemas.microsoft.com/office/drawing/2010/main" xmlns="" w="9525">
+                <a14:hiddenLine xmlns="" xmlns:a14="http://schemas.microsoft.com/office/drawing/2010/main" w="9525">
                   <a:solidFill>
                     <a:srgbClr val="000000"/>
                   </a:solidFill>
@@ -1465,7 +1465,7 @@
             </a:ln>
             <a:extLst>
               <a:ext uri="{91240B29-F687-4f45-9708-019B960494DF}">
-                <a14:hiddenLine xmlns:a14="http://schemas.microsoft.com/office/drawing/2010/main" xmlns="" w="9525">
+                <a14:hiddenLine xmlns="" xmlns:a14="http://schemas.microsoft.com/office/drawing/2010/main" w="9525">
                   <a:solidFill>
                     <a:srgbClr val="000000"/>
                   </a:solidFill>
@@ -1527,7 +1527,7 @@
             </a:ln>
             <a:extLst>
               <a:ext uri="{91240B29-F687-4f45-9708-019B960494DF}">
-                <a14:hiddenLine xmlns:a14="http://schemas.microsoft.com/office/drawing/2010/main" xmlns="" w="9525">
+                <a14:hiddenLine xmlns="" xmlns:a14="http://schemas.microsoft.com/office/drawing/2010/main" w="9525">
                   <a:solidFill>
                     <a:srgbClr val="000000"/>
                   </a:solidFill>
@@ -1617,7 +1617,7 @@
             </a:ln>
             <a:extLst>
               <a:ext uri="{91240B29-F687-4f45-9708-019B960494DF}">
-                <a14:hiddenLine xmlns:a14="http://schemas.microsoft.com/office/drawing/2010/main" xmlns="" w="9525">
+                <a14:hiddenLine xmlns="" xmlns:a14="http://schemas.microsoft.com/office/drawing/2010/main" w="9525">
                   <a:solidFill>
                     <a:srgbClr val="000000"/>
                   </a:solidFill>
@@ -1707,7 +1707,7 @@
             </a:ln>
             <a:extLst>
               <a:ext uri="{91240B29-F687-4f45-9708-019B960494DF}">
-                <a14:hiddenLine xmlns:a14="http://schemas.microsoft.com/office/drawing/2010/main" xmlns="" w="9525">
+                <a14:hiddenLine xmlns="" xmlns:a14="http://schemas.microsoft.com/office/drawing/2010/main" w="9525">
                   <a:solidFill>
                     <a:srgbClr val="000000"/>
                   </a:solidFill>
@@ -1763,7 +1763,7 @@
             </a:ln>
             <a:extLst>
               <a:ext uri="{91240B29-F687-4f45-9708-019B960494DF}">
-                <a14:hiddenLine xmlns:a14="http://schemas.microsoft.com/office/drawing/2010/main" xmlns="" w="9525">
+                <a14:hiddenLine xmlns="" xmlns:a14="http://schemas.microsoft.com/office/drawing/2010/main" w="9525">
                   <a:solidFill>
                     <a:srgbClr val="000000"/>
                   </a:solidFill>
@@ -1853,7 +1853,7 @@
             </a:ln>
             <a:extLst>
               <a:ext uri="{91240B29-F687-4f45-9708-019B960494DF}">
-                <a14:hiddenLine xmlns:a14="http://schemas.microsoft.com/office/drawing/2010/main" xmlns="" w="9525">
+                <a14:hiddenLine xmlns="" xmlns:a14="http://schemas.microsoft.com/office/drawing/2010/main" w="9525">
                   <a:solidFill>
                     <a:srgbClr val="000000"/>
                   </a:solidFill>
@@ -1909,7 +1909,7 @@
             </a:ln>
             <a:extLst>
               <a:ext uri="{91240B29-F687-4f45-9708-019B960494DF}">
-                <a14:hiddenLine xmlns:a14="http://schemas.microsoft.com/office/drawing/2010/main" xmlns="" w="9525">
+                <a14:hiddenLine xmlns="" xmlns:a14="http://schemas.microsoft.com/office/drawing/2010/main" w="9525">
                   <a:solidFill>
                     <a:srgbClr val="000000"/>
                   </a:solidFill>
@@ -1999,7 +1999,7 @@
             </a:ln>
             <a:extLst>
               <a:ext uri="{91240B29-F687-4f45-9708-019B960494DF}">
-                <a14:hiddenLine xmlns:a14="http://schemas.microsoft.com/office/drawing/2010/main" xmlns="" w="9525">
+                <a14:hiddenLine xmlns="" xmlns:a14="http://schemas.microsoft.com/office/drawing/2010/main" w="9525">
                   <a:solidFill>
                     <a:srgbClr val="000000"/>
                   </a:solidFill>
@@ -2067,7 +2067,7 @@
             </a:ln>
             <a:extLst>
               <a:ext uri="{91240B29-F687-4f45-9708-019B960494DF}">
-                <a14:hiddenLine xmlns:a14="http://schemas.microsoft.com/office/drawing/2010/main" xmlns="" w="9525">
+                <a14:hiddenLine xmlns="" xmlns:a14="http://schemas.microsoft.com/office/drawing/2010/main" w="9525">
                   <a:solidFill>
                     <a:srgbClr val="000000"/>
                   </a:solidFill>
@@ -2157,7 +2157,7 @@
             </a:ln>
             <a:extLst>
               <a:ext uri="{91240B29-F687-4f45-9708-019B960494DF}">
-                <a14:hiddenLine xmlns:a14="http://schemas.microsoft.com/office/drawing/2010/main" xmlns="" w="9525">
+                <a14:hiddenLine xmlns="" xmlns:a14="http://schemas.microsoft.com/office/drawing/2010/main" w="9525">
                   <a:solidFill>
                     <a:srgbClr val="000000"/>
                   </a:solidFill>
@@ -2225,7 +2225,7 @@
             </a:ln>
             <a:extLst>
               <a:ext uri="{91240B29-F687-4f45-9708-019B960494DF}">
-                <a14:hiddenLine xmlns:a14="http://schemas.microsoft.com/office/drawing/2010/main" xmlns="" w="9525">
+                <a14:hiddenLine xmlns="" xmlns:a14="http://schemas.microsoft.com/office/drawing/2010/main" w="9525">
                   <a:solidFill>
                     <a:srgbClr val="000000"/>
                   </a:solidFill>
@@ -2315,7 +2315,7 @@
             </a:ln>
             <a:extLst>
               <a:ext uri="{91240B29-F687-4f45-9708-019B960494DF}">
-                <a14:hiddenLine xmlns:a14="http://schemas.microsoft.com/office/drawing/2010/main" xmlns="" w="9525">
+                <a14:hiddenLine xmlns="" xmlns:a14="http://schemas.microsoft.com/office/drawing/2010/main" w="9525">
                   <a:solidFill>
                     <a:srgbClr val="000000"/>
                   </a:solidFill>
@@ -2349,7 +2349,7 @@
             </a:ln>
             <a:extLst>
               <a:ext uri="{91240B29-F687-4f45-9708-019B960494DF}">
-                <a14:hiddenLine xmlns:a14="http://schemas.microsoft.com/office/drawing/2010/main" xmlns="" w="9525">
+                <a14:hiddenLine xmlns="" xmlns:a14="http://schemas.microsoft.com/office/drawing/2010/main" w="9525">
                   <a:solidFill>
                     <a:srgbClr val="000000"/>
                   </a:solidFill>
@@ -2439,7 +2439,7 @@
             </a:ln>
             <a:extLst>
               <a:ext uri="{91240B29-F687-4f45-9708-019B960494DF}">
-                <a14:hiddenLine xmlns:a14="http://schemas.microsoft.com/office/drawing/2010/main" xmlns="" w="9525">
+                <a14:hiddenLine xmlns="" xmlns:a14="http://schemas.microsoft.com/office/drawing/2010/main" w="9525">
                   <a:solidFill>
                     <a:srgbClr val="000000"/>
                   </a:solidFill>
@@ -2501,7 +2501,7 @@
             </a:ln>
             <a:extLst>
               <a:ext uri="{91240B29-F687-4f45-9708-019B960494DF}">
-                <a14:hiddenLine xmlns:a14="http://schemas.microsoft.com/office/drawing/2010/main" xmlns="" w="9525">
+                <a14:hiddenLine xmlns="" xmlns:a14="http://schemas.microsoft.com/office/drawing/2010/main" w="9525">
                   <a:solidFill>
                     <a:srgbClr val="000000"/>
                   </a:solidFill>
@@ -2563,7 +2563,7 @@
             </a:ln>
             <a:extLst>
               <a:ext uri="{91240B29-F687-4f45-9708-019B960494DF}">
-                <a14:hiddenLine xmlns:a14="http://schemas.microsoft.com/office/drawing/2010/main" xmlns="" w="9525">
+                <a14:hiddenLine xmlns="" xmlns:a14="http://schemas.microsoft.com/office/drawing/2010/main" w="9525">
                   <a:solidFill>
                     <a:srgbClr val="000000"/>
                   </a:solidFill>
@@ -2653,7 +2653,7 @@
             </a:ln>
             <a:extLst>
               <a:ext uri="{91240B29-F687-4f45-9708-019B960494DF}">
-                <a14:hiddenLine xmlns:a14="http://schemas.microsoft.com/office/drawing/2010/main" xmlns="" w="9525">
+                <a14:hiddenLine xmlns="" xmlns:a14="http://schemas.microsoft.com/office/drawing/2010/main" w="9525">
                   <a:solidFill>
                     <a:srgbClr val="000000"/>
                   </a:solidFill>
@@ -2721,7 +2721,7 @@
             </a:ln>
             <a:extLst>
               <a:ext uri="{91240B29-F687-4f45-9708-019B960494DF}">
-                <a14:hiddenLine xmlns:a14="http://schemas.microsoft.com/office/drawing/2010/main" xmlns="" w="9525">
+                <a14:hiddenLine xmlns="" xmlns:a14="http://schemas.microsoft.com/office/drawing/2010/main" w="9525">
                   <a:solidFill>
                     <a:srgbClr val="000000"/>
                   </a:solidFill>
@@ -2783,7 +2783,7 @@
             </a:ln>
             <a:extLst>
               <a:ext uri="{91240B29-F687-4f45-9708-019B960494DF}">
-                <a14:hiddenLine xmlns:a14="http://schemas.microsoft.com/office/drawing/2010/main" xmlns="" w="9525">
+                <a14:hiddenLine xmlns="" xmlns:a14="http://schemas.microsoft.com/office/drawing/2010/main" w="9525">
                   <a:solidFill>
                     <a:srgbClr val="000000"/>
                   </a:solidFill>
@@ -2873,7 +2873,7 @@
             </a:ln>
             <a:extLst>
               <a:ext uri="{91240B29-F687-4f45-9708-019B960494DF}">
-                <a14:hiddenLine xmlns:a14="http://schemas.microsoft.com/office/drawing/2010/main" xmlns="" w="9525">
+                <a14:hiddenLine xmlns="" xmlns:a14="http://schemas.microsoft.com/office/drawing/2010/main" w="9525">
                   <a:solidFill>
                     <a:srgbClr val="000000"/>
                   </a:solidFill>
@@ -2935,7 +2935,7 @@
             </a:ln>
             <a:extLst>
               <a:ext uri="{91240B29-F687-4f45-9708-019B960494DF}">
-                <a14:hiddenLine xmlns:a14="http://schemas.microsoft.com/office/drawing/2010/main" xmlns="" w="9525">
+                <a14:hiddenLine xmlns="" xmlns:a14="http://schemas.microsoft.com/office/drawing/2010/main" w="9525">
                   <a:solidFill>
                     <a:srgbClr val="000000"/>
                   </a:solidFill>
@@ -3025,7 +3025,7 @@
             </a:ln>
             <a:extLst>
               <a:ext uri="{91240B29-F687-4f45-9708-019B960494DF}">
-                <a14:hiddenLine xmlns:a14="http://schemas.microsoft.com/office/drawing/2010/main" xmlns="" w="9525">
+                <a14:hiddenLine xmlns="" xmlns:a14="http://schemas.microsoft.com/office/drawing/2010/main" w="9525">
                   <a:solidFill>
                     <a:srgbClr val="000000"/>
                   </a:solidFill>
@@ -3087,7 +3087,7 @@
             </a:ln>
             <a:extLst>
               <a:ext uri="{91240B29-F687-4f45-9708-019B960494DF}">
-                <a14:hiddenLine xmlns:a14="http://schemas.microsoft.com/office/drawing/2010/main" xmlns="" w="9525">
+                <a14:hiddenLine xmlns="" xmlns:a14="http://schemas.microsoft.com/office/drawing/2010/main" w="9525">
                   <a:solidFill>
                     <a:srgbClr val="000000"/>
                   </a:solidFill>
@@ -3177,7 +3177,7 @@
             </a:ln>
             <a:extLst>
               <a:ext uri="{91240B29-F687-4f45-9708-019B960494DF}">
-                <a14:hiddenLine xmlns:a14="http://schemas.microsoft.com/office/drawing/2010/main" xmlns="" w="9525">
+                <a14:hiddenLine xmlns="" xmlns:a14="http://schemas.microsoft.com/office/drawing/2010/main" w="9525">
                   <a:solidFill>
                     <a:srgbClr val="000000"/>
                   </a:solidFill>
@@ -3211,7 +3211,7 @@
             </a:ln>
             <a:extLst>
               <a:ext uri="{91240B29-F687-4f45-9708-019B960494DF}">
-                <a14:hiddenLine xmlns:a14="http://schemas.microsoft.com/office/drawing/2010/main" xmlns="" w="9525">
+                <a14:hiddenLine xmlns="" xmlns:a14="http://schemas.microsoft.com/office/drawing/2010/main" w="9525">
                   <a:solidFill>
                     <a:srgbClr val="000000"/>
                   </a:solidFill>
@@ -3276,7 +3276,7 @@
             </a:ln>
             <a:extLst>
               <a:ext uri="{91240B29-F687-4f45-9708-019B960494DF}">
-                <a14:hiddenLine xmlns:a14="http://schemas.microsoft.com/office/drawing/2010/main" xmlns="" w="9525">
+                <a14:hiddenLine xmlns="" xmlns:a14="http://schemas.microsoft.com/office/drawing/2010/main" w="9525">
                   <a:solidFill>
                     <a:srgbClr val="000000"/>
                   </a:solidFill>
@@ -3366,7 +3366,7 @@
             </a:ln>
             <a:extLst>
               <a:ext uri="{91240B29-F687-4f45-9708-019B960494DF}">
-                <a14:hiddenLine xmlns:a14="http://schemas.microsoft.com/office/drawing/2010/main" xmlns="" w="9525">
+                <a14:hiddenLine xmlns="" xmlns:a14="http://schemas.microsoft.com/office/drawing/2010/main" w="9525">
                   <a:solidFill>
                     <a:srgbClr val="000000"/>
                   </a:solidFill>
@@ -3428,7 +3428,7 @@
             </a:ln>
             <a:extLst>
               <a:ext uri="{91240B29-F687-4f45-9708-019B960494DF}">
-                <a14:hiddenLine xmlns:a14="http://schemas.microsoft.com/office/drawing/2010/main" xmlns="" w="9525">
+                <a14:hiddenLine xmlns="" xmlns:a14="http://schemas.microsoft.com/office/drawing/2010/main" w="9525">
                   <a:solidFill>
                     <a:srgbClr val="000000"/>
                   </a:solidFill>
@@ -3518,7 +3518,7 @@
             </a:ln>
             <a:extLst>
               <a:ext uri="{91240B29-F687-4f45-9708-019B960494DF}">
-                <a14:hiddenLine xmlns:a14="http://schemas.microsoft.com/office/drawing/2010/main" xmlns="" w="9525">
+                <a14:hiddenLine xmlns="" xmlns:a14="http://schemas.microsoft.com/office/drawing/2010/main" w="9525">
                   <a:solidFill>
                     <a:srgbClr val="000000"/>
                   </a:solidFill>
@@ -3608,7 +3608,7 @@
             </a:ln>
             <a:extLst>
               <a:ext uri="{91240B29-F687-4f45-9708-019B960494DF}">
-                <a14:hiddenLine xmlns:a14="http://schemas.microsoft.com/office/drawing/2010/main" xmlns="" w="9525">
+                <a14:hiddenLine xmlns="" xmlns:a14="http://schemas.microsoft.com/office/drawing/2010/main" w="9525">
                   <a:solidFill>
                     <a:srgbClr val="000000"/>
                   </a:solidFill>
@@ -3673,7 +3673,7 @@
             </a:ln>
             <a:extLst>
               <a:ext uri="{91240B29-F687-4f45-9708-019B960494DF}">
-                <a14:hiddenLine xmlns:a14="http://schemas.microsoft.com/office/drawing/2010/main" xmlns="" w="9525">
+                <a14:hiddenLine xmlns="" xmlns:a14="http://schemas.microsoft.com/office/drawing/2010/main" w="9525">
                   <a:solidFill>
                     <a:srgbClr val="000000"/>
                   </a:solidFill>
@@ -3735,7 +3735,7 @@
             </a:ln>
             <a:extLst>
               <a:ext uri="{91240B29-F687-4f45-9708-019B960494DF}">
-                <a14:hiddenLine xmlns:a14="http://schemas.microsoft.com/office/drawing/2010/main" xmlns="" w="9525">
+                <a14:hiddenLine xmlns="" xmlns:a14="http://schemas.microsoft.com/office/drawing/2010/main" w="9525">
                   <a:solidFill>
                     <a:srgbClr val="000000"/>
                   </a:solidFill>
@@ -3825,7 +3825,7 @@
             </a:ln>
             <a:extLst>
               <a:ext uri="{91240B29-F687-4f45-9708-019B960494DF}">
-                <a14:hiddenLine xmlns:a14="http://schemas.microsoft.com/office/drawing/2010/main" xmlns="" w="9525">
+                <a14:hiddenLine xmlns="" xmlns:a14="http://schemas.microsoft.com/office/drawing/2010/main" w="9525">
                   <a:solidFill>
                     <a:srgbClr val="000000"/>
                   </a:solidFill>
@@ -3915,7 +3915,7 @@
             </a:ln>
             <a:extLst>
               <a:ext uri="{91240B29-F687-4f45-9708-019B960494DF}">
-                <a14:hiddenLine xmlns:a14="http://schemas.microsoft.com/office/drawing/2010/main" xmlns="" w="9525">
+                <a14:hiddenLine xmlns="" xmlns:a14="http://schemas.microsoft.com/office/drawing/2010/main" w="9525">
                   <a:solidFill>
                     <a:srgbClr val="000000"/>
                   </a:solidFill>
@@ -3977,7 +3977,7 @@
             </a:ln>
             <a:extLst>
               <a:ext uri="{91240B29-F687-4f45-9708-019B960494DF}">
-                <a14:hiddenLine xmlns:a14="http://schemas.microsoft.com/office/drawing/2010/main" xmlns="" w="9525">
+                <a14:hiddenLine xmlns="" xmlns:a14="http://schemas.microsoft.com/office/drawing/2010/main" w="9525">
                   <a:solidFill>
                     <a:srgbClr val="000000"/>
                   </a:solidFill>
@@ -4097,7 +4097,7 @@
             </a:ln>
             <a:extLst>
               <a:ext uri="{91240B29-F687-4f45-9708-019B960494DF}">
-                <a14:hiddenLine xmlns:a14="http://schemas.microsoft.com/office/drawing/2010/main" xmlns="" w="9525">
+                <a14:hiddenLine xmlns="" xmlns:a14="http://schemas.microsoft.com/office/drawing/2010/main" w="9525">
                   <a:solidFill>
                     <a:srgbClr val="000000"/>
                   </a:solidFill>
@@ -4165,7 +4165,7 @@
             </a:ln>
             <a:extLst>
               <a:ext uri="{91240B29-F687-4f45-9708-019B960494DF}">
-                <a14:hiddenLine xmlns:a14="http://schemas.microsoft.com/office/drawing/2010/main" xmlns="" w="9525">
+                <a14:hiddenLine xmlns="" xmlns:a14="http://schemas.microsoft.com/office/drawing/2010/main" w="9525">
                   <a:solidFill>
                     <a:srgbClr val="000000"/>
                   </a:solidFill>
@@ -4255,7 +4255,7 @@
             </a:ln>
             <a:extLst>
               <a:ext uri="{91240B29-F687-4f45-9708-019B960494DF}">
-                <a14:hiddenLine xmlns:a14="http://schemas.microsoft.com/office/drawing/2010/main" xmlns="" w="9525">
+                <a14:hiddenLine xmlns="" xmlns:a14="http://schemas.microsoft.com/office/drawing/2010/main" w="9525">
                   <a:solidFill>
                     <a:srgbClr val="000000"/>
                   </a:solidFill>
@@ -9062,7 +9062,7 @@
           <a:noFill/>
           <a:extLst>
             <a:ext uri="{909E8E84-426E-40dd-AFC4-6F175D3DCCD1}">
-              <a14:hiddenFill xmlns:a14="http://schemas.microsoft.com/office/drawing/2010/main" xmlns="">
+              <a14:hiddenFill xmlns="" xmlns:a14="http://schemas.microsoft.com/office/drawing/2010/main">
                 <a:solidFill>
                   <a:srgbClr val="FFFFFF"/>
                 </a:solidFill>
@@ -9136,7 +9136,7 @@
               </a:ln>
               <a:extLst>
                 <a:ext uri="{91240B29-F687-4f45-9708-019B960494DF}">
-                  <a14:hiddenLine xmlns:a14="http://schemas.microsoft.com/office/drawing/2010/main" xmlns="" w="9525">
+                  <a14:hiddenLine xmlns="" xmlns:a14="http://schemas.microsoft.com/office/drawing/2010/main" w="9525">
                     <a:solidFill>
                       <a:srgbClr val="000000"/>
                     </a:solidFill>
@@ -9226,7 +9226,7 @@
               </a:ln>
               <a:extLst>
                 <a:ext uri="{91240B29-F687-4f45-9708-019B960494DF}">
-                  <a14:hiddenLine xmlns:a14="http://schemas.microsoft.com/office/drawing/2010/main" xmlns="" w="9525">
+                  <a14:hiddenLine xmlns="" xmlns:a14="http://schemas.microsoft.com/office/drawing/2010/main" w="9525">
                     <a:solidFill>
                       <a:srgbClr val="000000"/>
                     </a:solidFill>
@@ -9316,7 +9316,7 @@
               </a:ln>
               <a:extLst>
                 <a:ext uri="{91240B29-F687-4f45-9708-019B960494DF}">
-                  <a14:hiddenLine xmlns:a14="http://schemas.microsoft.com/office/drawing/2010/main" xmlns="" w="9525">
+                  <a14:hiddenLine xmlns="" xmlns:a14="http://schemas.microsoft.com/office/drawing/2010/main" w="9525">
                     <a:solidFill>
                       <a:srgbClr val="000000"/>
                     </a:solidFill>
@@ -9378,7 +9378,7 @@
               </a:ln>
               <a:extLst>
                 <a:ext uri="{91240B29-F687-4f45-9708-019B960494DF}">
-                  <a14:hiddenLine xmlns:a14="http://schemas.microsoft.com/office/drawing/2010/main" xmlns="" w="9525">
+                  <a14:hiddenLine xmlns="" xmlns:a14="http://schemas.microsoft.com/office/drawing/2010/main" w="9525">
                     <a:solidFill>
                       <a:srgbClr val="000000"/>
                     </a:solidFill>
@@ -9468,7 +9468,7 @@
               </a:ln>
               <a:extLst>
                 <a:ext uri="{91240B29-F687-4f45-9708-019B960494DF}">
-                  <a14:hiddenLine xmlns:a14="http://schemas.microsoft.com/office/drawing/2010/main" xmlns="" w="9525">
+                  <a14:hiddenLine xmlns="" xmlns:a14="http://schemas.microsoft.com/office/drawing/2010/main" w="9525">
                     <a:solidFill>
                       <a:srgbClr val="000000"/>
                     </a:solidFill>
@@ -9530,7 +9530,7 @@
               </a:ln>
               <a:extLst>
                 <a:ext uri="{91240B29-F687-4f45-9708-019B960494DF}">
-                  <a14:hiddenLine xmlns:a14="http://schemas.microsoft.com/office/drawing/2010/main" xmlns="" w="9525">
+                  <a14:hiddenLine xmlns="" xmlns:a14="http://schemas.microsoft.com/office/drawing/2010/main" w="9525">
                     <a:solidFill>
                       <a:srgbClr val="000000"/>
                     </a:solidFill>
@@ -9592,7 +9592,7 @@
               </a:ln>
               <a:extLst>
                 <a:ext uri="{91240B29-F687-4f45-9708-019B960494DF}">
-                  <a14:hiddenLine xmlns:a14="http://schemas.microsoft.com/office/drawing/2010/main" xmlns="" w="9525">
+                  <a14:hiddenLine xmlns="" xmlns:a14="http://schemas.microsoft.com/office/drawing/2010/main" w="9525">
                     <a:solidFill>
                       <a:srgbClr val="000000"/>
                     </a:solidFill>
@@ -9682,7 +9682,7 @@
               </a:ln>
               <a:extLst>
                 <a:ext uri="{91240B29-F687-4f45-9708-019B960494DF}">
-                  <a14:hiddenLine xmlns:a14="http://schemas.microsoft.com/office/drawing/2010/main" xmlns="" w="9525">
+                  <a14:hiddenLine xmlns="" xmlns:a14="http://schemas.microsoft.com/office/drawing/2010/main" w="9525">
                     <a:solidFill>
                       <a:srgbClr val="000000"/>
                     </a:solidFill>
@@ -9772,7 +9772,7 @@
               </a:ln>
               <a:extLst>
                 <a:ext uri="{91240B29-F687-4f45-9708-019B960494DF}">
-                  <a14:hiddenLine xmlns:a14="http://schemas.microsoft.com/office/drawing/2010/main" xmlns="" w="9525">
+                  <a14:hiddenLine xmlns="" xmlns:a14="http://schemas.microsoft.com/office/drawing/2010/main" w="9525">
                     <a:solidFill>
                       <a:srgbClr val="000000"/>
                     </a:solidFill>
@@ -9834,7 +9834,7 @@
               </a:ln>
               <a:extLst>
                 <a:ext uri="{91240B29-F687-4f45-9708-019B960494DF}">
-                  <a14:hiddenLine xmlns:a14="http://schemas.microsoft.com/office/drawing/2010/main" xmlns="" w="9525">
+                  <a14:hiddenLine xmlns="" xmlns:a14="http://schemas.microsoft.com/office/drawing/2010/main" w="9525">
                     <a:solidFill>
                       <a:srgbClr val="000000"/>
                     </a:solidFill>
@@ -9944,7 +9944,7 @@
               </a:ln>
               <a:extLst>
                 <a:ext uri="{91240B29-F687-4f45-9708-019B960494DF}">
-                  <a14:hiddenLine xmlns:a14="http://schemas.microsoft.com/office/drawing/2010/main" xmlns="" w="9525">
+                  <a14:hiddenLine xmlns="" xmlns:a14="http://schemas.microsoft.com/office/drawing/2010/main" w="9525">
                     <a:solidFill>
                       <a:srgbClr val="000000"/>
                     </a:solidFill>
@@ -10028,7 +10028,7 @@
               </a:ln>
               <a:extLst>
                 <a:ext uri="{91240B29-F687-4f45-9708-019B960494DF}">
-                  <a14:hiddenLine xmlns:a14="http://schemas.microsoft.com/office/drawing/2010/main" xmlns="" w="9525">
+                  <a14:hiddenLine xmlns="" xmlns:a14="http://schemas.microsoft.com/office/drawing/2010/main" w="9525">
                     <a:solidFill>
                       <a:srgbClr val="000000"/>
                     </a:solidFill>
@@ -10090,7 +10090,7 @@
               </a:ln>
               <a:extLst>
                 <a:ext uri="{91240B29-F687-4f45-9708-019B960494DF}">
-                  <a14:hiddenLine xmlns:a14="http://schemas.microsoft.com/office/drawing/2010/main" xmlns="" w="9525">
+                  <a14:hiddenLine xmlns="" xmlns:a14="http://schemas.microsoft.com/office/drawing/2010/main" w="9525">
                     <a:solidFill>
                       <a:srgbClr val="000000"/>
                     </a:solidFill>
@@ -10152,7 +10152,7 @@
               </a:ln>
               <a:extLst>
                 <a:ext uri="{91240B29-F687-4f45-9708-019B960494DF}">
-                  <a14:hiddenLine xmlns:a14="http://schemas.microsoft.com/office/drawing/2010/main" xmlns="" w="9525">
+                  <a14:hiddenLine xmlns="" xmlns:a14="http://schemas.microsoft.com/office/drawing/2010/main" w="9525">
                     <a:solidFill>
                       <a:srgbClr val="000000"/>
                     </a:solidFill>
@@ -10242,7 +10242,7 @@
               </a:ln>
               <a:extLst>
                 <a:ext uri="{91240B29-F687-4f45-9708-019B960494DF}">
-                  <a14:hiddenLine xmlns:a14="http://schemas.microsoft.com/office/drawing/2010/main" xmlns="" w="9525">
+                  <a14:hiddenLine xmlns="" xmlns:a14="http://schemas.microsoft.com/office/drawing/2010/main" w="9525">
                     <a:solidFill>
                       <a:srgbClr val="000000"/>
                     </a:solidFill>
@@ -10276,7 +10276,7 @@
               </a:ln>
               <a:extLst>
                 <a:ext uri="{91240B29-F687-4f45-9708-019B960494DF}">
-                  <a14:hiddenLine xmlns:a14="http://schemas.microsoft.com/office/drawing/2010/main" xmlns="" w="9525">
+                  <a14:hiddenLine xmlns="" xmlns:a14="http://schemas.microsoft.com/office/drawing/2010/main" w="9525">
                     <a:solidFill>
                       <a:srgbClr val="000000"/>
                     </a:solidFill>
@@ -10341,7 +10341,7 @@
               </a:ln>
               <a:extLst>
                 <a:ext uri="{91240B29-F687-4f45-9708-019B960494DF}">
-                  <a14:hiddenLine xmlns:a14="http://schemas.microsoft.com/office/drawing/2010/main" xmlns="" w="9525">
+                  <a14:hiddenLine xmlns="" xmlns:a14="http://schemas.microsoft.com/office/drawing/2010/main" w="9525">
                     <a:solidFill>
                       <a:srgbClr val="000000"/>
                     </a:solidFill>
@@ -10431,7 +10431,7 @@
               </a:ln>
               <a:extLst>
                 <a:ext uri="{91240B29-F687-4f45-9708-019B960494DF}">
-                  <a14:hiddenLine xmlns:a14="http://schemas.microsoft.com/office/drawing/2010/main" xmlns="" w="9525">
+                  <a14:hiddenLine xmlns="" xmlns:a14="http://schemas.microsoft.com/office/drawing/2010/main" w="9525">
                     <a:solidFill>
                       <a:srgbClr val="000000"/>
                     </a:solidFill>
@@ -10493,7 +10493,7 @@
               </a:ln>
               <a:extLst>
                 <a:ext uri="{91240B29-F687-4f45-9708-019B960494DF}">
-                  <a14:hiddenLine xmlns:a14="http://schemas.microsoft.com/office/drawing/2010/main" xmlns="" w="9525">
+                  <a14:hiddenLine xmlns="" xmlns:a14="http://schemas.microsoft.com/office/drawing/2010/main" w="9525">
                     <a:solidFill>
                       <a:srgbClr val="000000"/>
                     </a:solidFill>
@@ -10583,7 +10583,7 @@
               </a:ln>
               <a:extLst>
                 <a:ext uri="{91240B29-F687-4f45-9708-019B960494DF}">
-                  <a14:hiddenLine xmlns:a14="http://schemas.microsoft.com/office/drawing/2010/main" xmlns="" w="9525">
+                  <a14:hiddenLine xmlns="" xmlns:a14="http://schemas.microsoft.com/office/drawing/2010/main" w="9525">
                     <a:solidFill>
                       <a:srgbClr val="000000"/>
                     </a:solidFill>
@@ -10648,7 +10648,7 @@
               </a:ln>
               <a:extLst>
                 <a:ext uri="{91240B29-F687-4f45-9708-019B960494DF}">
-                  <a14:hiddenLine xmlns:a14="http://schemas.microsoft.com/office/drawing/2010/main" xmlns="" w="9525">
+                  <a14:hiddenLine xmlns="" xmlns:a14="http://schemas.microsoft.com/office/drawing/2010/main" w="9525">
                     <a:solidFill>
                       <a:srgbClr val="000000"/>
                     </a:solidFill>
@@ -10710,7 +10710,7 @@
               </a:ln>
               <a:extLst>
                 <a:ext uri="{91240B29-F687-4f45-9708-019B960494DF}">
-                  <a14:hiddenLine xmlns:a14="http://schemas.microsoft.com/office/drawing/2010/main" xmlns="" w="9525">
+                  <a14:hiddenLine xmlns="" xmlns:a14="http://schemas.microsoft.com/office/drawing/2010/main" w="9525">
                     <a:solidFill>
                       <a:srgbClr val="000000"/>
                     </a:solidFill>
@@ -10800,7 +10800,7 @@
               </a:ln>
               <a:extLst>
                 <a:ext uri="{91240B29-F687-4f45-9708-019B960494DF}">
-                  <a14:hiddenLine xmlns:a14="http://schemas.microsoft.com/office/drawing/2010/main" xmlns="" w="9525">
+                  <a14:hiddenLine xmlns="" xmlns:a14="http://schemas.microsoft.com/office/drawing/2010/main" w="9525">
                     <a:solidFill>
                       <a:srgbClr val="000000"/>
                     </a:solidFill>
@@ -10890,7 +10890,7 @@
               </a:ln>
               <a:extLst>
                 <a:ext uri="{91240B29-F687-4f45-9708-019B960494DF}">
-                  <a14:hiddenLine xmlns:a14="http://schemas.microsoft.com/office/drawing/2010/main" xmlns="" w="9525">
+                  <a14:hiddenLine xmlns="" xmlns:a14="http://schemas.microsoft.com/office/drawing/2010/main" w="9525">
                     <a:solidFill>
                       <a:srgbClr val="000000"/>
                     </a:solidFill>
@@ -10955,7 +10955,7 @@
               </a:ln>
               <a:extLst>
                 <a:ext uri="{91240B29-F687-4f45-9708-019B960494DF}">
-                  <a14:hiddenLine xmlns:a14="http://schemas.microsoft.com/office/drawing/2010/main" xmlns="" w="9525">
+                  <a14:hiddenLine xmlns="" xmlns:a14="http://schemas.microsoft.com/office/drawing/2010/main" w="9525">
                     <a:solidFill>
                       <a:srgbClr val="000000"/>
                     </a:solidFill>
@@ -11075,7 +11075,7 @@
               </a:ln>
               <a:extLst>
                 <a:ext uri="{91240B29-F687-4f45-9708-019B960494DF}">
-                  <a14:hiddenLine xmlns:a14="http://schemas.microsoft.com/office/drawing/2010/main" xmlns="" w="9525">
+                  <a14:hiddenLine xmlns="" xmlns:a14="http://schemas.microsoft.com/office/drawing/2010/main" w="9525">
                     <a:solidFill>
                       <a:srgbClr val="000000"/>
                     </a:solidFill>
@@ -11173,7 +11173,7 @@
               </a:ln>
               <a:extLst>
                 <a:ext uri="{91240B29-F687-4f45-9708-019B960494DF}">
-                  <a14:hiddenLine xmlns:a14="http://schemas.microsoft.com/office/drawing/2010/main" xmlns="" w="9525">
+                  <a14:hiddenLine xmlns="" xmlns:a14="http://schemas.microsoft.com/office/drawing/2010/main" w="9525">
                     <a:solidFill>
                       <a:srgbClr val="000000"/>
                     </a:solidFill>
@@ -11288,7 +11288,7 @@
               </a:ln>
               <a:extLst>
                 <a:ext uri="{91240B29-F687-4f45-9708-019B960494DF}">
-                  <a14:hiddenLine xmlns:a14="http://schemas.microsoft.com/office/drawing/2010/main" xmlns="" w="9525">
+                  <a14:hiddenLine xmlns="" xmlns:a14="http://schemas.microsoft.com/office/drawing/2010/main" w="9525">
                     <a:solidFill>
                       <a:srgbClr val="000000"/>
                     </a:solidFill>
@@ -11378,7 +11378,7 @@
               </a:ln>
               <a:extLst>
                 <a:ext uri="{91240B29-F687-4f45-9708-019B960494DF}">
-                  <a14:hiddenLine xmlns:a14="http://schemas.microsoft.com/office/drawing/2010/main" xmlns="" w="9525">
+                  <a14:hiddenLine xmlns="" xmlns:a14="http://schemas.microsoft.com/office/drawing/2010/main" w="9525">
                     <a:solidFill>
                       <a:srgbClr val="000000"/>
                     </a:solidFill>
@@ -11443,7 +11443,7 @@
               </a:ln>
               <a:extLst>
                 <a:ext uri="{91240B29-F687-4f45-9708-019B960494DF}">
-                  <a14:hiddenLine xmlns:a14="http://schemas.microsoft.com/office/drawing/2010/main" xmlns="" w="9525">
+                  <a14:hiddenLine xmlns="" xmlns:a14="http://schemas.microsoft.com/office/drawing/2010/main" w="9525">
                     <a:solidFill>
                       <a:srgbClr val="000000"/>
                     </a:solidFill>
@@ -11533,7 +11533,7 @@
               </a:ln>
               <a:extLst>
                 <a:ext uri="{91240B29-F687-4f45-9708-019B960494DF}">
-                  <a14:hiddenLine xmlns:a14="http://schemas.microsoft.com/office/drawing/2010/main" xmlns="" w="9525">
+                  <a14:hiddenLine xmlns="" xmlns:a14="http://schemas.microsoft.com/office/drawing/2010/main" w="9525">
                     <a:solidFill>
                       <a:srgbClr val="000000"/>
                     </a:solidFill>
@@ -11601,7 +11601,7 @@
               </a:ln>
               <a:extLst>
                 <a:ext uri="{91240B29-F687-4f45-9708-019B960494DF}">
-                  <a14:hiddenLine xmlns:a14="http://schemas.microsoft.com/office/drawing/2010/main" xmlns="" w="9525">
+                  <a14:hiddenLine xmlns="" xmlns:a14="http://schemas.microsoft.com/office/drawing/2010/main" w="9525">
                     <a:solidFill>
                       <a:srgbClr val="000000"/>
                     </a:solidFill>
@@ -11691,7 +11691,7 @@
               </a:ln>
               <a:extLst>
                 <a:ext uri="{91240B29-F687-4f45-9708-019B960494DF}">
-                  <a14:hiddenLine xmlns:a14="http://schemas.microsoft.com/office/drawing/2010/main" xmlns="" w="9525">
+                  <a14:hiddenLine xmlns="" xmlns:a14="http://schemas.microsoft.com/office/drawing/2010/main" w="9525">
                     <a:solidFill>
                       <a:srgbClr val="000000"/>
                     </a:solidFill>
@@ -11759,7 +11759,7 @@
               </a:ln>
               <a:extLst>
                 <a:ext uri="{91240B29-F687-4f45-9708-019B960494DF}">
-                  <a14:hiddenLine xmlns:a14="http://schemas.microsoft.com/office/drawing/2010/main" xmlns="" w="9525">
+                  <a14:hiddenLine xmlns="" xmlns:a14="http://schemas.microsoft.com/office/drawing/2010/main" w="9525">
                     <a:solidFill>
                       <a:srgbClr val="000000"/>
                     </a:solidFill>
@@ -11849,7 +11849,7 @@
               </a:ln>
               <a:extLst>
                 <a:ext uri="{91240B29-F687-4f45-9708-019B960494DF}">
-                  <a14:hiddenLine xmlns:a14="http://schemas.microsoft.com/office/drawing/2010/main" xmlns="" w="9525">
+                  <a14:hiddenLine xmlns="" xmlns:a14="http://schemas.microsoft.com/office/drawing/2010/main" w="9525">
                     <a:solidFill>
                       <a:srgbClr val="000000"/>
                     </a:solidFill>
@@ -11883,7 +11883,7 @@
               </a:ln>
               <a:extLst>
                 <a:ext uri="{91240B29-F687-4f45-9708-019B960494DF}">
-                  <a14:hiddenLine xmlns:a14="http://schemas.microsoft.com/office/drawing/2010/main" xmlns="" w="9525">
+                  <a14:hiddenLine xmlns="" xmlns:a14="http://schemas.microsoft.com/office/drawing/2010/main" w="9525">
                     <a:solidFill>
                       <a:srgbClr val="000000"/>
                     </a:solidFill>
@@ -12656,7 +12656,15 @@
             </a:r>
             <a:r>
               <a:rPr lang="en-CA" sz="2400" dirty="0"/>
-              <a:t> 3.5 year software  student</a:t>
+              <a:t> 3.5 </a:t>
+            </a:r>
+            <a:r>
+              <a:rPr lang="en-CA" sz="2400"/>
+              <a:t>year software </a:t>
+            </a:r>
+            <a:r>
+              <a:rPr lang="en-CA" sz="2400" dirty="0"/>
+              <a:t>student</a:t>
             </a:r>
           </a:p>
           <a:p>

--- a/ENSE 470 Milestone 1.pptx
+++ b/ENSE 470 Milestone 1.pptx
@@ -169,7 +169,7 @@
           <a:noFill/>
           <a:extLst>
             <a:ext uri="{909E8E84-426E-40dd-AFC4-6F175D3DCCD1}">
-              <a14:hiddenFill xmlns="" xmlns:a14="http://schemas.microsoft.com/office/drawing/2010/main">
+              <a14:hiddenFill xmlns:a14="http://schemas.microsoft.com/office/drawing/2010/main" xmlns="">
                 <a:solidFill>
                   <a:srgbClr val="FFFFFF"/>
                 </a:solidFill>
@@ -229,7 +229,7 @@
             </a:ln>
             <a:extLst>
               <a:ext uri="{91240B29-F687-4f45-9708-019B960494DF}">
-                <a14:hiddenLine xmlns="" xmlns:a14="http://schemas.microsoft.com/office/drawing/2010/main" w="9525">
+                <a14:hiddenLine xmlns:a14="http://schemas.microsoft.com/office/drawing/2010/main" xmlns="" w="9525">
                   <a:solidFill>
                     <a:srgbClr val="000000"/>
                   </a:solidFill>
@@ -319,7 +319,7 @@
             </a:ln>
             <a:extLst>
               <a:ext uri="{91240B29-F687-4f45-9708-019B960494DF}">
-                <a14:hiddenLine xmlns="" xmlns:a14="http://schemas.microsoft.com/office/drawing/2010/main" w="9525">
+                <a14:hiddenLine xmlns:a14="http://schemas.microsoft.com/office/drawing/2010/main" xmlns="" w="9525">
                   <a:solidFill>
                     <a:srgbClr val="000000"/>
                   </a:solidFill>
@@ -409,7 +409,7 @@
             </a:ln>
             <a:extLst>
               <a:ext uri="{91240B29-F687-4f45-9708-019B960494DF}">
-                <a14:hiddenLine xmlns="" xmlns:a14="http://schemas.microsoft.com/office/drawing/2010/main" w="9525">
+                <a14:hiddenLine xmlns:a14="http://schemas.microsoft.com/office/drawing/2010/main" xmlns="" w="9525">
                   <a:solidFill>
                     <a:srgbClr val="000000"/>
                   </a:solidFill>
@@ -443,7 +443,7 @@
             </a:ln>
             <a:extLst>
               <a:ext uri="{91240B29-F687-4f45-9708-019B960494DF}">
-                <a14:hiddenLine xmlns="" xmlns:a14="http://schemas.microsoft.com/office/drawing/2010/main" w="9525">
+                <a14:hiddenLine xmlns:a14="http://schemas.microsoft.com/office/drawing/2010/main" xmlns="" w="9525">
                   <a:solidFill>
                     <a:srgbClr val="000000"/>
                   </a:solidFill>
@@ -533,7 +533,7 @@
             </a:ln>
             <a:extLst>
               <a:ext uri="{91240B29-F687-4f45-9708-019B960494DF}">
-                <a14:hiddenLine xmlns="" xmlns:a14="http://schemas.microsoft.com/office/drawing/2010/main" w="9525">
+                <a14:hiddenLine xmlns:a14="http://schemas.microsoft.com/office/drawing/2010/main" xmlns="" w="9525">
                   <a:solidFill>
                     <a:srgbClr val="000000"/>
                   </a:solidFill>
@@ -595,7 +595,7 @@
             </a:ln>
             <a:extLst>
               <a:ext uri="{91240B29-F687-4f45-9708-019B960494DF}">
-                <a14:hiddenLine xmlns="" xmlns:a14="http://schemas.microsoft.com/office/drawing/2010/main" w="9525">
+                <a14:hiddenLine xmlns:a14="http://schemas.microsoft.com/office/drawing/2010/main" xmlns="" w="9525">
                   <a:solidFill>
                     <a:srgbClr val="000000"/>
                   </a:solidFill>
@@ -657,7 +657,7 @@
             </a:ln>
             <a:extLst>
               <a:ext uri="{91240B29-F687-4f45-9708-019B960494DF}">
-                <a14:hiddenLine xmlns="" xmlns:a14="http://schemas.microsoft.com/office/drawing/2010/main" w="9525">
+                <a14:hiddenLine xmlns:a14="http://schemas.microsoft.com/office/drawing/2010/main" xmlns="" w="9525">
                   <a:solidFill>
                     <a:srgbClr val="000000"/>
                   </a:solidFill>
@@ -747,7 +747,7 @@
             </a:ln>
             <a:extLst>
               <a:ext uri="{91240B29-F687-4f45-9708-019B960494DF}">
-                <a14:hiddenLine xmlns="" xmlns:a14="http://schemas.microsoft.com/office/drawing/2010/main" w="9525">
+                <a14:hiddenLine xmlns:a14="http://schemas.microsoft.com/office/drawing/2010/main" xmlns="" w="9525">
                   <a:solidFill>
                     <a:srgbClr val="000000"/>
                   </a:solidFill>
@@ -809,7 +809,7 @@
             </a:ln>
             <a:extLst>
               <a:ext uri="{91240B29-F687-4f45-9708-019B960494DF}">
-                <a14:hiddenLine xmlns="" xmlns:a14="http://schemas.microsoft.com/office/drawing/2010/main" w="9525">
+                <a14:hiddenLine xmlns:a14="http://schemas.microsoft.com/office/drawing/2010/main" xmlns="" w="9525">
                   <a:solidFill>
                     <a:srgbClr val="000000"/>
                   </a:solidFill>
@@ -871,7 +871,7 @@
             </a:ln>
             <a:extLst>
               <a:ext uri="{91240B29-F687-4f45-9708-019B960494DF}">
-                <a14:hiddenLine xmlns="" xmlns:a14="http://schemas.microsoft.com/office/drawing/2010/main" w="9525">
+                <a14:hiddenLine xmlns:a14="http://schemas.microsoft.com/office/drawing/2010/main" xmlns="" w="9525">
                   <a:solidFill>
                     <a:srgbClr val="000000"/>
                   </a:solidFill>
@@ -961,7 +961,7 @@
             </a:ln>
             <a:extLst>
               <a:ext uri="{91240B29-F687-4f45-9708-019B960494DF}">
-                <a14:hiddenLine xmlns="" xmlns:a14="http://schemas.microsoft.com/office/drawing/2010/main" w="9525">
+                <a14:hiddenLine xmlns:a14="http://schemas.microsoft.com/office/drawing/2010/main" xmlns="" w="9525">
                   <a:solidFill>
                     <a:srgbClr val="000000"/>
                   </a:solidFill>
@@ -1051,7 +1051,7 @@
             </a:ln>
             <a:extLst>
               <a:ext uri="{91240B29-F687-4f45-9708-019B960494DF}">
-                <a14:hiddenLine xmlns="" xmlns:a14="http://schemas.microsoft.com/office/drawing/2010/main" w="9525">
+                <a14:hiddenLine xmlns:a14="http://schemas.microsoft.com/office/drawing/2010/main" xmlns="" w="9525">
                   <a:solidFill>
                     <a:srgbClr val="000000"/>
                   </a:solidFill>
@@ -1113,7 +1113,7 @@
             </a:ln>
             <a:extLst>
               <a:ext uri="{91240B29-F687-4f45-9708-019B960494DF}">
-                <a14:hiddenLine xmlns="" xmlns:a14="http://schemas.microsoft.com/office/drawing/2010/main" w="9525">
+                <a14:hiddenLine xmlns:a14="http://schemas.microsoft.com/office/drawing/2010/main" xmlns="" w="9525">
                   <a:solidFill>
                     <a:srgbClr val="000000"/>
                   </a:solidFill>
@@ -1223,7 +1223,7 @@
             </a:ln>
             <a:extLst>
               <a:ext uri="{91240B29-F687-4f45-9708-019B960494DF}">
-                <a14:hiddenLine xmlns="" xmlns:a14="http://schemas.microsoft.com/office/drawing/2010/main" w="9525">
+                <a14:hiddenLine xmlns:a14="http://schemas.microsoft.com/office/drawing/2010/main" xmlns="" w="9525">
                   <a:solidFill>
                     <a:srgbClr val="000000"/>
                   </a:solidFill>
@@ -1285,7 +1285,7 @@
             </a:ln>
             <a:extLst>
               <a:ext uri="{91240B29-F687-4f45-9708-019B960494DF}">
-                <a14:hiddenLine xmlns="" xmlns:a14="http://schemas.microsoft.com/office/drawing/2010/main" w="9525">
+                <a14:hiddenLine xmlns:a14="http://schemas.microsoft.com/office/drawing/2010/main" xmlns="" w="9525">
                   <a:solidFill>
                     <a:srgbClr val="000000"/>
                   </a:solidFill>
@@ -1375,7 +1375,7 @@
             </a:ln>
             <a:extLst>
               <a:ext uri="{91240B29-F687-4f45-9708-019B960494DF}">
-                <a14:hiddenLine xmlns="" xmlns:a14="http://schemas.microsoft.com/office/drawing/2010/main" w="9525">
+                <a14:hiddenLine xmlns:a14="http://schemas.microsoft.com/office/drawing/2010/main" xmlns="" w="9525">
                   <a:solidFill>
                     <a:srgbClr val="000000"/>
                   </a:solidFill>
@@ -1465,7 +1465,7 @@
             </a:ln>
             <a:extLst>
               <a:ext uri="{91240B29-F687-4f45-9708-019B960494DF}">
-                <a14:hiddenLine xmlns="" xmlns:a14="http://schemas.microsoft.com/office/drawing/2010/main" w="9525">
+                <a14:hiddenLine xmlns:a14="http://schemas.microsoft.com/office/drawing/2010/main" xmlns="" w="9525">
                   <a:solidFill>
                     <a:srgbClr val="000000"/>
                   </a:solidFill>
@@ -1527,7 +1527,7 @@
             </a:ln>
             <a:extLst>
               <a:ext uri="{91240B29-F687-4f45-9708-019B960494DF}">
-                <a14:hiddenLine xmlns="" xmlns:a14="http://schemas.microsoft.com/office/drawing/2010/main" w="9525">
+                <a14:hiddenLine xmlns:a14="http://schemas.microsoft.com/office/drawing/2010/main" xmlns="" w="9525">
                   <a:solidFill>
                     <a:srgbClr val="000000"/>
                   </a:solidFill>
@@ -1617,7 +1617,7 @@
             </a:ln>
             <a:extLst>
               <a:ext uri="{91240B29-F687-4f45-9708-019B960494DF}">
-                <a14:hiddenLine xmlns="" xmlns:a14="http://schemas.microsoft.com/office/drawing/2010/main" w="9525">
+                <a14:hiddenLine xmlns:a14="http://schemas.microsoft.com/office/drawing/2010/main" xmlns="" w="9525">
                   <a:solidFill>
                     <a:srgbClr val="000000"/>
                   </a:solidFill>
@@ -1707,7 +1707,7 @@
             </a:ln>
             <a:extLst>
               <a:ext uri="{91240B29-F687-4f45-9708-019B960494DF}">
-                <a14:hiddenLine xmlns="" xmlns:a14="http://schemas.microsoft.com/office/drawing/2010/main" w="9525">
+                <a14:hiddenLine xmlns:a14="http://schemas.microsoft.com/office/drawing/2010/main" xmlns="" w="9525">
                   <a:solidFill>
                     <a:srgbClr val="000000"/>
                   </a:solidFill>
@@ -1763,7 +1763,7 @@
             </a:ln>
             <a:extLst>
               <a:ext uri="{91240B29-F687-4f45-9708-019B960494DF}">
-                <a14:hiddenLine xmlns="" xmlns:a14="http://schemas.microsoft.com/office/drawing/2010/main" w="9525">
+                <a14:hiddenLine xmlns:a14="http://schemas.microsoft.com/office/drawing/2010/main" xmlns="" w="9525">
                   <a:solidFill>
                     <a:srgbClr val="000000"/>
                   </a:solidFill>
@@ -1853,7 +1853,7 @@
             </a:ln>
             <a:extLst>
               <a:ext uri="{91240B29-F687-4f45-9708-019B960494DF}">
-                <a14:hiddenLine xmlns="" xmlns:a14="http://schemas.microsoft.com/office/drawing/2010/main" w="9525">
+                <a14:hiddenLine xmlns:a14="http://schemas.microsoft.com/office/drawing/2010/main" xmlns="" w="9525">
                   <a:solidFill>
                     <a:srgbClr val="000000"/>
                   </a:solidFill>
@@ -1909,7 +1909,7 @@
             </a:ln>
             <a:extLst>
               <a:ext uri="{91240B29-F687-4f45-9708-019B960494DF}">
-                <a14:hiddenLine xmlns="" xmlns:a14="http://schemas.microsoft.com/office/drawing/2010/main" w="9525">
+                <a14:hiddenLine xmlns:a14="http://schemas.microsoft.com/office/drawing/2010/main" xmlns="" w="9525">
                   <a:solidFill>
                     <a:srgbClr val="000000"/>
                   </a:solidFill>
@@ -1999,7 +1999,7 @@
             </a:ln>
             <a:extLst>
               <a:ext uri="{91240B29-F687-4f45-9708-019B960494DF}">
-                <a14:hiddenLine xmlns="" xmlns:a14="http://schemas.microsoft.com/office/drawing/2010/main" w="9525">
+                <a14:hiddenLine xmlns:a14="http://schemas.microsoft.com/office/drawing/2010/main" xmlns="" w="9525">
                   <a:solidFill>
                     <a:srgbClr val="000000"/>
                   </a:solidFill>
@@ -2067,7 +2067,7 @@
             </a:ln>
             <a:extLst>
               <a:ext uri="{91240B29-F687-4f45-9708-019B960494DF}">
-                <a14:hiddenLine xmlns="" xmlns:a14="http://schemas.microsoft.com/office/drawing/2010/main" w="9525">
+                <a14:hiddenLine xmlns:a14="http://schemas.microsoft.com/office/drawing/2010/main" xmlns="" w="9525">
                   <a:solidFill>
                     <a:srgbClr val="000000"/>
                   </a:solidFill>
@@ -2157,7 +2157,7 @@
             </a:ln>
             <a:extLst>
               <a:ext uri="{91240B29-F687-4f45-9708-019B960494DF}">
-                <a14:hiddenLine xmlns="" xmlns:a14="http://schemas.microsoft.com/office/drawing/2010/main" w="9525">
+                <a14:hiddenLine xmlns:a14="http://schemas.microsoft.com/office/drawing/2010/main" xmlns="" w="9525">
                   <a:solidFill>
                     <a:srgbClr val="000000"/>
                   </a:solidFill>
@@ -2225,7 +2225,7 @@
             </a:ln>
             <a:extLst>
               <a:ext uri="{91240B29-F687-4f45-9708-019B960494DF}">
-                <a14:hiddenLine xmlns="" xmlns:a14="http://schemas.microsoft.com/office/drawing/2010/main" w="9525">
+                <a14:hiddenLine xmlns:a14="http://schemas.microsoft.com/office/drawing/2010/main" xmlns="" w="9525">
                   <a:solidFill>
                     <a:srgbClr val="000000"/>
                   </a:solidFill>
@@ -2315,7 +2315,7 @@
             </a:ln>
             <a:extLst>
               <a:ext uri="{91240B29-F687-4f45-9708-019B960494DF}">
-                <a14:hiddenLine xmlns="" xmlns:a14="http://schemas.microsoft.com/office/drawing/2010/main" w="9525">
+                <a14:hiddenLine xmlns:a14="http://schemas.microsoft.com/office/drawing/2010/main" xmlns="" w="9525">
                   <a:solidFill>
                     <a:srgbClr val="000000"/>
                   </a:solidFill>
@@ -2349,7 +2349,7 @@
             </a:ln>
             <a:extLst>
               <a:ext uri="{91240B29-F687-4f45-9708-019B960494DF}">
-                <a14:hiddenLine xmlns="" xmlns:a14="http://schemas.microsoft.com/office/drawing/2010/main" w="9525">
+                <a14:hiddenLine xmlns:a14="http://schemas.microsoft.com/office/drawing/2010/main" xmlns="" w="9525">
                   <a:solidFill>
                     <a:srgbClr val="000000"/>
                   </a:solidFill>
@@ -2439,7 +2439,7 @@
             </a:ln>
             <a:extLst>
               <a:ext uri="{91240B29-F687-4f45-9708-019B960494DF}">
-                <a14:hiddenLine xmlns="" xmlns:a14="http://schemas.microsoft.com/office/drawing/2010/main" w="9525">
+                <a14:hiddenLine xmlns:a14="http://schemas.microsoft.com/office/drawing/2010/main" xmlns="" w="9525">
                   <a:solidFill>
                     <a:srgbClr val="000000"/>
                   </a:solidFill>
@@ -2501,7 +2501,7 @@
             </a:ln>
             <a:extLst>
               <a:ext uri="{91240B29-F687-4f45-9708-019B960494DF}">
-                <a14:hiddenLine xmlns="" xmlns:a14="http://schemas.microsoft.com/office/drawing/2010/main" w="9525">
+                <a14:hiddenLine xmlns:a14="http://schemas.microsoft.com/office/drawing/2010/main" xmlns="" w="9525">
                   <a:solidFill>
                     <a:srgbClr val="000000"/>
                   </a:solidFill>
@@ -2563,7 +2563,7 @@
             </a:ln>
             <a:extLst>
               <a:ext uri="{91240B29-F687-4f45-9708-019B960494DF}">
-                <a14:hiddenLine xmlns="" xmlns:a14="http://schemas.microsoft.com/office/drawing/2010/main" w="9525">
+                <a14:hiddenLine xmlns:a14="http://schemas.microsoft.com/office/drawing/2010/main" xmlns="" w="9525">
                   <a:solidFill>
                     <a:srgbClr val="000000"/>
                   </a:solidFill>
@@ -2653,7 +2653,7 @@
             </a:ln>
             <a:extLst>
               <a:ext uri="{91240B29-F687-4f45-9708-019B960494DF}">
-                <a14:hiddenLine xmlns="" xmlns:a14="http://schemas.microsoft.com/office/drawing/2010/main" w="9525">
+                <a14:hiddenLine xmlns:a14="http://schemas.microsoft.com/office/drawing/2010/main" xmlns="" w="9525">
                   <a:solidFill>
                     <a:srgbClr val="000000"/>
                   </a:solidFill>
@@ -2721,7 +2721,7 @@
             </a:ln>
             <a:extLst>
               <a:ext uri="{91240B29-F687-4f45-9708-019B960494DF}">
-                <a14:hiddenLine xmlns="" xmlns:a14="http://schemas.microsoft.com/office/drawing/2010/main" w="9525">
+                <a14:hiddenLine xmlns:a14="http://schemas.microsoft.com/office/drawing/2010/main" xmlns="" w="9525">
                   <a:solidFill>
                     <a:srgbClr val="000000"/>
                   </a:solidFill>
@@ -2783,7 +2783,7 @@
             </a:ln>
             <a:extLst>
               <a:ext uri="{91240B29-F687-4f45-9708-019B960494DF}">
-                <a14:hiddenLine xmlns="" xmlns:a14="http://schemas.microsoft.com/office/drawing/2010/main" w="9525">
+                <a14:hiddenLine xmlns:a14="http://schemas.microsoft.com/office/drawing/2010/main" xmlns="" w="9525">
                   <a:solidFill>
                     <a:srgbClr val="000000"/>
                   </a:solidFill>
@@ -2873,7 +2873,7 @@
             </a:ln>
             <a:extLst>
               <a:ext uri="{91240B29-F687-4f45-9708-019B960494DF}">
-                <a14:hiddenLine xmlns="" xmlns:a14="http://schemas.microsoft.com/office/drawing/2010/main" w="9525">
+                <a14:hiddenLine xmlns:a14="http://schemas.microsoft.com/office/drawing/2010/main" xmlns="" w="9525">
                   <a:solidFill>
                     <a:srgbClr val="000000"/>
                   </a:solidFill>
@@ -2935,7 +2935,7 @@
             </a:ln>
             <a:extLst>
               <a:ext uri="{91240B29-F687-4f45-9708-019B960494DF}">
-                <a14:hiddenLine xmlns="" xmlns:a14="http://schemas.microsoft.com/office/drawing/2010/main" w="9525">
+                <a14:hiddenLine xmlns:a14="http://schemas.microsoft.com/office/drawing/2010/main" xmlns="" w="9525">
                   <a:solidFill>
                     <a:srgbClr val="000000"/>
                   </a:solidFill>
@@ -3025,7 +3025,7 @@
             </a:ln>
             <a:extLst>
               <a:ext uri="{91240B29-F687-4f45-9708-019B960494DF}">
-                <a14:hiddenLine xmlns="" xmlns:a14="http://schemas.microsoft.com/office/drawing/2010/main" w="9525">
+                <a14:hiddenLine xmlns:a14="http://schemas.microsoft.com/office/drawing/2010/main" xmlns="" w="9525">
                   <a:solidFill>
                     <a:srgbClr val="000000"/>
                   </a:solidFill>
@@ -3087,7 +3087,7 @@
             </a:ln>
             <a:extLst>
               <a:ext uri="{91240B29-F687-4f45-9708-019B960494DF}">
-                <a14:hiddenLine xmlns="" xmlns:a14="http://schemas.microsoft.com/office/drawing/2010/main" w="9525">
+                <a14:hiddenLine xmlns:a14="http://schemas.microsoft.com/office/drawing/2010/main" xmlns="" w="9525">
                   <a:solidFill>
                     <a:srgbClr val="000000"/>
                   </a:solidFill>
@@ -3177,7 +3177,7 @@
             </a:ln>
             <a:extLst>
               <a:ext uri="{91240B29-F687-4f45-9708-019B960494DF}">
-                <a14:hiddenLine xmlns="" xmlns:a14="http://schemas.microsoft.com/office/drawing/2010/main" w="9525">
+                <a14:hiddenLine xmlns:a14="http://schemas.microsoft.com/office/drawing/2010/main" xmlns="" w="9525">
                   <a:solidFill>
                     <a:srgbClr val="000000"/>
                   </a:solidFill>
@@ -3211,7 +3211,7 @@
             </a:ln>
             <a:extLst>
               <a:ext uri="{91240B29-F687-4f45-9708-019B960494DF}">
-                <a14:hiddenLine xmlns="" xmlns:a14="http://schemas.microsoft.com/office/drawing/2010/main" w="9525">
+                <a14:hiddenLine xmlns:a14="http://schemas.microsoft.com/office/drawing/2010/main" xmlns="" w="9525">
                   <a:solidFill>
                     <a:srgbClr val="000000"/>
                   </a:solidFill>
@@ -3276,7 +3276,7 @@
             </a:ln>
             <a:extLst>
               <a:ext uri="{91240B29-F687-4f45-9708-019B960494DF}">
-                <a14:hiddenLine xmlns="" xmlns:a14="http://schemas.microsoft.com/office/drawing/2010/main" w="9525">
+                <a14:hiddenLine xmlns:a14="http://schemas.microsoft.com/office/drawing/2010/main" xmlns="" w="9525">
                   <a:solidFill>
                     <a:srgbClr val="000000"/>
                   </a:solidFill>
@@ -3366,7 +3366,7 @@
             </a:ln>
             <a:extLst>
               <a:ext uri="{91240B29-F687-4f45-9708-019B960494DF}">
-                <a14:hiddenLine xmlns="" xmlns:a14="http://schemas.microsoft.com/office/drawing/2010/main" w="9525">
+                <a14:hiddenLine xmlns:a14="http://schemas.microsoft.com/office/drawing/2010/main" xmlns="" w="9525">
                   <a:solidFill>
                     <a:srgbClr val="000000"/>
                   </a:solidFill>
@@ -3428,7 +3428,7 @@
             </a:ln>
             <a:extLst>
               <a:ext uri="{91240B29-F687-4f45-9708-019B960494DF}">
-                <a14:hiddenLine xmlns="" xmlns:a14="http://schemas.microsoft.com/office/drawing/2010/main" w="9525">
+                <a14:hiddenLine xmlns:a14="http://schemas.microsoft.com/office/drawing/2010/main" xmlns="" w="9525">
                   <a:solidFill>
                     <a:srgbClr val="000000"/>
                   </a:solidFill>
@@ -3518,7 +3518,7 @@
             </a:ln>
             <a:extLst>
               <a:ext uri="{91240B29-F687-4f45-9708-019B960494DF}">
-                <a14:hiddenLine xmlns="" xmlns:a14="http://schemas.microsoft.com/office/drawing/2010/main" w="9525">
+                <a14:hiddenLine xmlns:a14="http://schemas.microsoft.com/office/drawing/2010/main" xmlns="" w="9525">
                   <a:solidFill>
                     <a:srgbClr val="000000"/>
                   </a:solidFill>
@@ -3608,7 +3608,7 @@
             </a:ln>
             <a:extLst>
               <a:ext uri="{91240B29-F687-4f45-9708-019B960494DF}">
-                <a14:hiddenLine xmlns="" xmlns:a14="http://schemas.microsoft.com/office/drawing/2010/main" w="9525">
+                <a14:hiddenLine xmlns:a14="http://schemas.microsoft.com/office/drawing/2010/main" xmlns="" w="9525">
                   <a:solidFill>
                     <a:srgbClr val="000000"/>
                   </a:solidFill>
@@ -3673,7 +3673,7 @@
             </a:ln>
             <a:extLst>
               <a:ext uri="{91240B29-F687-4f45-9708-019B960494DF}">
-                <a14:hiddenLine xmlns="" xmlns:a14="http://schemas.microsoft.com/office/drawing/2010/main" w="9525">
+                <a14:hiddenLine xmlns:a14="http://schemas.microsoft.com/office/drawing/2010/main" xmlns="" w="9525">
                   <a:solidFill>
                     <a:srgbClr val="000000"/>
                   </a:solidFill>
@@ -3735,7 +3735,7 @@
             </a:ln>
             <a:extLst>
               <a:ext uri="{91240B29-F687-4f45-9708-019B960494DF}">
-                <a14:hiddenLine xmlns="" xmlns:a14="http://schemas.microsoft.com/office/drawing/2010/main" w="9525">
+                <a14:hiddenLine xmlns:a14="http://schemas.microsoft.com/office/drawing/2010/main" xmlns="" w="9525">
                   <a:solidFill>
                     <a:srgbClr val="000000"/>
                   </a:solidFill>
@@ -3825,7 +3825,7 @@
             </a:ln>
             <a:extLst>
               <a:ext uri="{91240B29-F687-4f45-9708-019B960494DF}">
-                <a14:hiddenLine xmlns="" xmlns:a14="http://schemas.microsoft.com/office/drawing/2010/main" w="9525">
+                <a14:hiddenLine xmlns:a14="http://schemas.microsoft.com/office/drawing/2010/main" xmlns="" w="9525">
                   <a:solidFill>
                     <a:srgbClr val="000000"/>
                   </a:solidFill>
@@ -3915,7 +3915,7 @@
             </a:ln>
             <a:extLst>
               <a:ext uri="{91240B29-F687-4f45-9708-019B960494DF}">
-                <a14:hiddenLine xmlns="" xmlns:a14="http://schemas.microsoft.com/office/drawing/2010/main" w="9525">
+                <a14:hiddenLine xmlns:a14="http://schemas.microsoft.com/office/drawing/2010/main" xmlns="" w="9525">
                   <a:solidFill>
                     <a:srgbClr val="000000"/>
                   </a:solidFill>
@@ -3977,7 +3977,7 @@
             </a:ln>
             <a:extLst>
               <a:ext uri="{91240B29-F687-4f45-9708-019B960494DF}">
-                <a14:hiddenLine xmlns="" xmlns:a14="http://schemas.microsoft.com/office/drawing/2010/main" w="9525">
+                <a14:hiddenLine xmlns:a14="http://schemas.microsoft.com/office/drawing/2010/main" xmlns="" w="9525">
                   <a:solidFill>
                     <a:srgbClr val="000000"/>
                   </a:solidFill>
@@ -4097,7 +4097,7 @@
             </a:ln>
             <a:extLst>
               <a:ext uri="{91240B29-F687-4f45-9708-019B960494DF}">
-                <a14:hiddenLine xmlns="" xmlns:a14="http://schemas.microsoft.com/office/drawing/2010/main" w="9525">
+                <a14:hiddenLine xmlns:a14="http://schemas.microsoft.com/office/drawing/2010/main" xmlns="" w="9525">
                   <a:solidFill>
                     <a:srgbClr val="000000"/>
                   </a:solidFill>
@@ -4165,7 +4165,7 @@
             </a:ln>
             <a:extLst>
               <a:ext uri="{91240B29-F687-4f45-9708-019B960494DF}">
-                <a14:hiddenLine xmlns="" xmlns:a14="http://schemas.microsoft.com/office/drawing/2010/main" w="9525">
+                <a14:hiddenLine xmlns:a14="http://schemas.microsoft.com/office/drawing/2010/main" xmlns="" w="9525">
                   <a:solidFill>
                     <a:srgbClr val="000000"/>
                   </a:solidFill>
@@ -4255,7 +4255,7 @@
             </a:ln>
             <a:extLst>
               <a:ext uri="{91240B29-F687-4f45-9708-019B960494DF}">
-                <a14:hiddenLine xmlns="" xmlns:a14="http://schemas.microsoft.com/office/drawing/2010/main" w="9525">
+                <a14:hiddenLine xmlns:a14="http://schemas.microsoft.com/office/drawing/2010/main" xmlns="" w="9525">
                   <a:solidFill>
                     <a:srgbClr val="000000"/>
                   </a:solidFill>
@@ -4395,7 +4395,7 @@
           <a:p>
             <a:fld id="{5ECF105A-3229-4493-8E31-24FFD8B2B0B2}" type="datetimeFigureOut">
               <a:rPr lang="en-CA" smtClean="0"/>
-              <a:t>2018-01-17</a:t>
+              <a:t>2018-01-18</a:t>
             </a:fld>
             <a:endParaRPr lang="en-CA"/>
           </a:p>
@@ -4662,7 +4662,7 @@
           <a:p>
             <a:fld id="{5ECF105A-3229-4493-8E31-24FFD8B2B0B2}" type="datetimeFigureOut">
               <a:rPr lang="en-CA" smtClean="0"/>
-              <a:t>2018-01-17</a:t>
+              <a:t>2018-01-18</a:t>
             </a:fld>
             <a:endParaRPr lang="en-CA"/>
           </a:p>
@@ -4858,7 +4858,7 @@
           <a:p>
             <a:fld id="{5ECF105A-3229-4493-8E31-24FFD8B2B0B2}" type="datetimeFigureOut">
               <a:rPr lang="en-CA" smtClean="0"/>
-              <a:t>2018-01-17</a:t>
+              <a:t>2018-01-18</a:t>
             </a:fld>
             <a:endParaRPr lang="en-CA"/>
           </a:p>
@@ -5121,7 +5121,7 @@
           <a:p>
             <a:fld id="{5ECF105A-3229-4493-8E31-24FFD8B2B0B2}" type="datetimeFigureOut">
               <a:rPr lang="en-CA" smtClean="0"/>
-              <a:t>2018-01-17</a:t>
+              <a:t>2018-01-18</a:t>
             </a:fld>
             <a:endParaRPr lang="en-CA"/>
           </a:p>
@@ -5555,7 +5555,7 @@
           <a:p>
             <a:fld id="{5ECF105A-3229-4493-8E31-24FFD8B2B0B2}" type="datetimeFigureOut">
               <a:rPr lang="en-CA" smtClean="0"/>
-              <a:t>2018-01-17</a:t>
+              <a:t>2018-01-18</a:t>
             </a:fld>
             <a:endParaRPr lang="en-CA"/>
           </a:p>
@@ -6101,7 +6101,7 @@
           <a:p>
             <a:fld id="{5ECF105A-3229-4493-8E31-24FFD8B2B0B2}" type="datetimeFigureOut">
               <a:rPr lang="en-CA" smtClean="0"/>
-              <a:t>2018-01-17</a:t>
+              <a:t>2018-01-18</a:t>
             </a:fld>
             <a:endParaRPr lang="en-CA"/>
           </a:p>
@@ -6821,7 +6821,7 @@
           <a:p>
             <a:fld id="{5ECF105A-3229-4493-8E31-24FFD8B2B0B2}" type="datetimeFigureOut">
               <a:rPr lang="en-CA" smtClean="0"/>
-              <a:t>2018-01-17</a:t>
+              <a:t>2018-01-18</a:t>
             </a:fld>
             <a:endParaRPr lang="en-CA"/>
           </a:p>
@@ -6991,7 +6991,7 @@
           <a:p>
             <a:fld id="{5ECF105A-3229-4493-8E31-24FFD8B2B0B2}" type="datetimeFigureOut">
               <a:rPr lang="en-CA" smtClean="0"/>
-              <a:t>2018-01-17</a:t>
+              <a:t>2018-01-18</a:t>
             </a:fld>
             <a:endParaRPr lang="en-CA"/>
           </a:p>
@@ -7171,7 +7171,7 @@
           <a:p>
             <a:fld id="{5ECF105A-3229-4493-8E31-24FFD8B2B0B2}" type="datetimeFigureOut">
               <a:rPr lang="en-CA" smtClean="0"/>
-              <a:t>2018-01-17</a:t>
+              <a:t>2018-01-18</a:t>
             </a:fld>
             <a:endParaRPr lang="en-CA"/>
           </a:p>
@@ -7341,7 +7341,7 @@
           <a:p>
             <a:fld id="{5ECF105A-3229-4493-8E31-24FFD8B2B0B2}" type="datetimeFigureOut">
               <a:rPr lang="en-CA" smtClean="0"/>
-              <a:t>2018-01-17</a:t>
+              <a:t>2018-01-18</a:t>
             </a:fld>
             <a:endParaRPr lang="en-CA"/>
           </a:p>
@@ -7591,7 +7591,7 @@
           <a:p>
             <a:fld id="{5ECF105A-3229-4493-8E31-24FFD8B2B0B2}" type="datetimeFigureOut">
               <a:rPr lang="en-CA" smtClean="0"/>
-              <a:t>2018-01-17</a:t>
+              <a:t>2018-01-18</a:t>
             </a:fld>
             <a:endParaRPr lang="en-CA"/>
           </a:p>
@@ -7823,7 +7823,7 @@
           <a:p>
             <a:fld id="{5ECF105A-3229-4493-8E31-24FFD8B2B0B2}" type="datetimeFigureOut">
               <a:rPr lang="en-CA" smtClean="0"/>
-              <a:t>2018-01-17</a:t>
+              <a:t>2018-01-18</a:t>
             </a:fld>
             <a:endParaRPr lang="en-CA"/>
           </a:p>
@@ -8204,7 +8204,7 @@
           <a:p>
             <a:fld id="{5ECF105A-3229-4493-8E31-24FFD8B2B0B2}" type="datetimeFigureOut">
               <a:rPr lang="en-CA" smtClean="0"/>
-              <a:t>2018-01-17</a:t>
+              <a:t>2018-01-18</a:t>
             </a:fld>
             <a:endParaRPr lang="en-CA"/>
           </a:p>
@@ -8322,7 +8322,7 @@
           <a:p>
             <a:fld id="{5ECF105A-3229-4493-8E31-24FFD8B2B0B2}" type="datetimeFigureOut">
               <a:rPr lang="en-CA" smtClean="0"/>
-              <a:t>2018-01-17</a:t>
+              <a:t>2018-01-18</a:t>
             </a:fld>
             <a:endParaRPr lang="en-CA"/>
           </a:p>
@@ -8417,7 +8417,7 @@
           <a:p>
             <a:fld id="{5ECF105A-3229-4493-8E31-24FFD8B2B0B2}" type="datetimeFigureOut">
               <a:rPr lang="en-CA" smtClean="0"/>
-              <a:t>2018-01-17</a:t>
+              <a:t>2018-01-18</a:t>
             </a:fld>
             <a:endParaRPr lang="en-CA"/>
           </a:p>
@@ -8666,7 +8666,7 @@
           <a:p>
             <a:fld id="{5ECF105A-3229-4493-8E31-24FFD8B2B0B2}" type="datetimeFigureOut">
               <a:rPr lang="en-CA" smtClean="0"/>
-              <a:t>2018-01-17</a:t>
+              <a:t>2018-01-18</a:t>
             </a:fld>
             <a:endParaRPr lang="en-CA"/>
           </a:p>
@@ -8946,7 +8946,7 @@
           <a:p>
             <a:fld id="{5ECF105A-3229-4493-8E31-24FFD8B2B0B2}" type="datetimeFigureOut">
               <a:rPr lang="en-CA" smtClean="0"/>
-              <a:t>2018-01-17</a:t>
+              <a:t>2018-01-18</a:t>
             </a:fld>
             <a:endParaRPr lang="en-CA"/>
           </a:p>
@@ -9062,7 +9062,7 @@
           <a:noFill/>
           <a:extLst>
             <a:ext uri="{909E8E84-426E-40dd-AFC4-6F175D3DCCD1}">
-              <a14:hiddenFill xmlns="" xmlns:a14="http://schemas.microsoft.com/office/drawing/2010/main">
+              <a14:hiddenFill xmlns:a14="http://schemas.microsoft.com/office/drawing/2010/main" xmlns="">
                 <a:solidFill>
                   <a:srgbClr val="FFFFFF"/>
                 </a:solidFill>
@@ -9136,7 +9136,7 @@
               </a:ln>
               <a:extLst>
                 <a:ext uri="{91240B29-F687-4f45-9708-019B960494DF}">
-                  <a14:hiddenLine xmlns="" xmlns:a14="http://schemas.microsoft.com/office/drawing/2010/main" w="9525">
+                  <a14:hiddenLine xmlns:a14="http://schemas.microsoft.com/office/drawing/2010/main" xmlns="" w="9525">
                     <a:solidFill>
                       <a:srgbClr val="000000"/>
                     </a:solidFill>
@@ -9226,7 +9226,7 @@
               </a:ln>
               <a:extLst>
                 <a:ext uri="{91240B29-F687-4f45-9708-019B960494DF}">
-                  <a14:hiddenLine xmlns="" xmlns:a14="http://schemas.microsoft.com/office/drawing/2010/main" w="9525">
+                  <a14:hiddenLine xmlns:a14="http://schemas.microsoft.com/office/drawing/2010/main" xmlns="" w="9525">
                     <a:solidFill>
                       <a:srgbClr val="000000"/>
                     </a:solidFill>
@@ -9316,7 +9316,7 @@
               </a:ln>
               <a:extLst>
                 <a:ext uri="{91240B29-F687-4f45-9708-019B960494DF}">
-                  <a14:hiddenLine xmlns="" xmlns:a14="http://schemas.microsoft.com/office/drawing/2010/main" w="9525">
+                  <a14:hiddenLine xmlns:a14="http://schemas.microsoft.com/office/drawing/2010/main" xmlns="" w="9525">
                     <a:solidFill>
                       <a:srgbClr val="000000"/>
                     </a:solidFill>
@@ -9378,7 +9378,7 @@
               </a:ln>
               <a:extLst>
                 <a:ext uri="{91240B29-F687-4f45-9708-019B960494DF}">
-                  <a14:hiddenLine xmlns="" xmlns:a14="http://schemas.microsoft.com/office/drawing/2010/main" w="9525">
+                  <a14:hiddenLine xmlns:a14="http://schemas.microsoft.com/office/drawing/2010/main" xmlns="" w="9525">
                     <a:solidFill>
                       <a:srgbClr val="000000"/>
                     </a:solidFill>
@@ -9468,7 +9468,7 @@
               </a:ln>
               <a:extLst>
                 <a:ext uri="{91240B29-F687-4f45-9708-019B960494DF}">
-                  <a14:hiddenLine xmlns="" xmlns:a14="http://schemas.microsoft.com/office/drawing/2010/main" w="9525">
+                  <a14:hiddenLine xmlns:a14="http://schemas.microsoft.com/office/drawing/2010/main" xmlns="" w="9525">
                     <a:solidFill>
                       <a:srgbClr val="000000"/>
                     </a:solidFill>
@@ -9530,7 +9530,7 @@
               </a:ln>
               <a:extLst>
                 <a:ext uri="{91240B29-F687-4f45-9708-019B960494DF}">
-                  <a14:hiddenLine xmlns="" xmlns:a14="http://schemas.microsoft.com/office/drawing/2010/main" w="9525">
+                  <a14:hiddenLine xmlns:a14="http://schemas.microsoft.com/office/drawing/2010/main" xmlns="" w="9525">
                     <a:solidFill>
                       <a:srgbClr val="000000"/>
                     </a:solidFill>
@@ -9592,7 +9592,7 @@
               </a:ln>
               <a:extLst>
                 <a:ext uri="{91240B29-F687-4f45-9708-019B960494DF}">
-                  <a14:hiddenLine xmlns="" xmlns:a14="http://schemas.microsoft.com/office/drawing/2010/main" w="9525">
+                  <a14:hiddenLine xmlns:a14="http://schemas.microsoft.com/office/drawing/2010/main" xmlns="" w="9525">
                     <a:solidFill>
                       <a:srgbClr val="000000"/>
                     </a:solidFill>
@@ -9682,7 +9682,7 @@
               </a:ln>
               <a:extLst>
                 <a:ext uri="{91240B29-F687-4f45-9708-019B960494DF}">
-                  <a14:hiddenLine xmlns="" xmlns:a14="http://schemas.microsoft.com/office/drawing/2010/main" w="9525">
+                  <a14:hiddenLine xmlns:a14="http://schemas.microsoft.com/office/drawing/2010/main" xmlns="" w="9525">
                     <a:solidFill>
                       <a:srgbClr val="000000"/>
                     </a:solidFill>
@@ -9772,7 +9772,7 @@
               </a:ln>
               <a:extLst>
                 <a:ext uri="{91240B29-F687-4f45-9708-019B960494DF}">
-                  <a14:hiddenLine xmlns="" xmlns:a14="http://schemas.microsoft.com/office/drawing/2010/main" w="9525">
+                  <a14:hiddenLine xmlns:a14="http://schemas.microsoft.com/office/drawing/2010/main" xmlns="" w="9525">
                     <a:solidFill>
                       <a:srgbClr val="000000"/>
                     </a:solidFill>
@@ -9834,7 +9834,7 @@
               </a:ln>
               <a:extLst>
                 <a:ext uri="{91240B29-F687-4f45-9708-019B960494DF}">
-                  <a14:hiddenLine xmlns="" xmlns:a14="http://schemas.microsoft.com/office/drawing/2010/main" w="9525">
+                  <a14:hiddenLine xmlns:a14="http://schemas.microsoft.com/office/drawing/2010/main" xmlns="" w="9525">
                     <a:solidFill>
                       <a:srgbClr val="000000"/>
                     </a:solidFill>
@@ -9944,7 +9944,7 @@
               </a:ln>
               <a:extLst>
                 <a:ext uri="{91240B29-F687-4f45-9708-019B960494DF}">
-                  <a14:hiddenLine xmlns="" xmlns:a14="http://schemas.microsoft.com/office/drawing/2010/main" w="9525">
+                  <a14:hiddenLine xmlns:a14="http://schemas.microsoft.com/office/drawing/2010/main" xmlns="" w="9525">
                     <a:solidFill>
                       <a:srgbClr val="000000"/>
                     </a:solidFill>
@@ -10028,7 +10028,7 @@
               </a:ln>
               <a:extLst>
                 <a:ext uri="{91240B29-F687-4f45-9708-019B960494DF}">
-                  <a14:hiddenLine xmlns="" xmlns:a14="http://schemas.microsoft.com/office/drawing/2010/main" w="9525">
+                  <a14:hiddenLine xmlns:a14="http://schemas.microsoft.com/office/drawing/2010/main" xmlns="" w="9525">
                     <a:solidFill>
                       <a:srgbClr val="000000"/>
                     </a:solidFill>
@@ -10090,7 +10090,7 @@
               </a:ln>
               <a:extLst>
                 <a:ext uri="{91240B29-F687-4f45-9708-019B960494DF}">
-                  <a14:hiddenLine xmlns="" xmlns:a14="http://schemas.microsoft.com/office/drawing/2010/main" w="9525">
+                  <a14:hiddenLine xmlns:a14="http://schemas.microsoft.com/office/drawing/2010/main" xmlns="" w="9525">
                     <a:solidFill>
                       <a:srgbClr val="000000"/>
                     </a:solidFill>
@@ -10152,7 +10152,7 @@
               </a:ln>
               <a:extLst>
                 <a:ext uri="{91240B29-F687-4f45-9708-019B960494DF}">
-                  <a14:hiddenLine xmlns="" xmlns:a14="http://schemas.microsoft.com/office/drawing/2010/main" w="9525">
+                  <a14:hiddenLine xmlns:a14="http://schemas.microsoft.com/office/drawing/2010/main" xmlns="" w="9525">
                     <a:solidFill>
                       <a:srgbClr val="000000"/>
                     </a:solidFill>
@@ -10242,7 +10242,7 @@
               </a:ln>
               <a:extLst>
                 <a:ext uri="{91240B29-F687-4f45-9708-019B960494DF}">
-                  <a14:hiddenLine xmlns="" xmlns:a14="http://schemas.microsoft.com/office/drawing/2010/main" w="9525">
+                  <a14:hiddenLine xmlns:a14="http://schemas.microsoft.com/office/drawing/2010/main" xmlns="" w="9525">
                     <a:solidFill>
                       <a:srgbClr val="000000"/>
                     </a:solidFill>
@@ -10276,7 +10276,7 @@
               </a:ln>
               <a:extLst>
                 <a:ext uri="{91240B29-F687-4f45-9708-019B960494DF}">
-                  <a14:hiddenLine xmlns="" xmlns:a14="http://schemas.microsoft.com/office/drawing/2010/main" w="9525">
+                  <a14:hiddenLine xmlns:a14="http://schemas.microsoft.com/office/drawing/2010/main" xmlns="" w="9525">
                     <a:solidFill>
                       <a:srgbClr val="000000"/>
                     </a:solidFill>
@@ -10341,7 +10341,7 @@
               </a:ln>
               <a:extLst>
                 <a:ext uri="{91240B29-F687-4f45-9708-019B960494DF}">
-                  <a14:hiddenLine xmlns="" xmlns:a14="http://schemas.microsoft.com/office/drawing/2010/main" w="9525">
+                  <a14:hiddenLine xmlns:a14="http://schemas.microsoft.com/office/drawing/2010/main" xmlns="" w="9525">
                     <a:solidFill>
                       <a:srgbClr val="000000"/>
                     </a:solidFill>
@@ -10431,7 +10431,7 @@
               </a:ln>
               <a:extLst>
                 <a:ext uri="{91240B29-F687-4f45-9708-019B960494DF}">
-                  <a14:hiddenLine xmlns="" xmlns:a14="http://schemas.microsoft.com/office/drawing/2010/main" w="9525">
+                  <a14:hiddenLine xmlns:a14="http://schemas.microsoft.com/office/drawing/2010/main" xmlns="" w="9525">
                     <a:solidFill>
                       <a:srgbClr val="000000"/>
                     </a:solidFill>
@@ -10493,7 +10493,7 @@
               </a:ln>
               <a:extLst>
                 <a:ext uri="{91240B29-F687-4f45-9708-019B960494DF}">
-                  <a14:hiddenLine xmlns="" xmlns:a14="http://schemas.microsoft.com/office/drawing/2010/main" w="9525">
+                  <a14:hiddenLine xmlns:a14="http://schemas.microsoft.com/office/drawing/2010/main" xmlns="" w="9525">
                     <a:solidFill>
                       <a:srgbClr val="000000"/>
                     </a:solidFill>
@@ -10583,7 +10583,7 @@
               </a:ln>
               <a:extLst>
                 <a:ext uri="{91240B29-F687-4f45-9708-019B960494DF}">
-                  <a14:hiddenLine xmlns="" xmlns:a14="http://schemas.microsoft.com/office/drawing/2010/main" w="9525">
+                  <a14:hiddenLine xmlns:a14="http://schemas.microsoft.com/office/drawing/2010/main" xmlns="" w="9525">
                     <a:solidFill>
                       <a:srgbClr val="000000"/>
                     </a:solidFill>
@@ -10648,7 +10648,7 @@
               </a:ln>
               <a:extLst>
                 <a:ext uri="{91240B29-F687-4f45-9708-019B960494DF}">
-                  <a14:hiddenLine xmlns="" xmlns:a14="http://schemas.microsoft.com/office/drawing/2010/main" w="9525">
+                  <a14:hiddenLine xmlns:a14="http://schemas.microsoft.com/office/drawing/2010/main" xmlns="" w="9525">
                     <a:solidFill>
                       <a:srgbClr val="000000"/>
                     </a:solidFill>
@@ -10710,7 +10710,7 @@
               </a:ln>
               <a:extLst>
                 <a:ext uri="{91240B29-F687-4f45-9708-019B960494DF}">
-                  <a14:hiddenLine xmlns="" xmlns:a14="http://schemas.microsoft.com/office/drawing/2010/main" w="9525">
+                  <a14:hiddenLine xmlns:a14="http://schemas.microsoft.com/office/drawing/2010/main" xmlns="" w="9525">
                     <a:solidFill>
                       <a:srgbClr val="000000"/>
                     </a:solidFill>
@@ -10800,7 +10800,7 @@
               </a:ln>
               <a:extLst>
                 <a:ext uri="{91240B29-F687-4f45-9708-019B960494DF}">
-                  <a14:hiddenLine xmlns="" xmlns:a14="http://schemas.microsoft.com/office/drawing/2010/main" w="9525">
+                  <a14:hiddenLine xmlns:a14="http://schemas.microsoft.com/office/drawing/2010/main" xmlns="" w="9525">
                     <a:solidFill>
                       <a:srgbClr val="000000"/>
                     </a:solidFill>
@@ -10890,7 +10890,7 @@
               </a:ln>
               <a:extLst>
                 <a:ext uri="{91240B29-F687-4f45-9708-019B960494DF}">
-                  <a14:hiddenLine xmlns="" xmlns:a14="http://schemas.microsoft.com/office/drawing/2010/main" w="9525">
+                  <a14:hiddenLine xmlns:a14="http://schemas.microsoft.com/office/drawing/2010/main" xmlns="" w="9525">
                     <a:solidFill>
                       <a:srgbClr val="000000"/>
                     </a:solidFill>
@@ -10955,7 +10955,7 @@
               </a:ln>
               <a:extLst>
                 <a:ext uri="{91240B29-F687-4f45-9708-019B960494DF}">
-                  <a14:hiddenLine xmlns="" xmlns:a14="http://schemas.microsoft.com/office/drawing/2010/main" w="9525">
+                  <a14:hiddenLine xmlns:a14="http://schemas.microsoft.com/office/drawing/2010/main" xmlns="" w="9525">
                     <a:solidFill>
                       <a:srgbClr val="000000"/>
                     </a:solidFill>
@@ -11075,7 +11075,7 @@
               </a:ln>
               <a:extLst>
                 <a:ext uri="{91240B29-F687-4f45-9708-019B960494DF}">
-                  <a14:hiddenLine xmlns="" xmlns:a14="http://schemas.microsoft.com/office/drawing/2010/main" w="9525">
+                  <a14:hiddenLine xmlns:a14="http://schemas.microsoft.com/office/drawing/2010/main" xmlns="" w="9525">
                     <a:solidFill>
                       <a:srgbClr val="000000"/>
                     </a:solidFill>
@@ -11173,7 +11173,7 @@
               </a:ln>
               <a:extLst>
                 <a:ext uri="{91240B29-F687-4f45-9708-019B960494DF}">
-                  <a14:hiddenLine xmlns="" xmlns:a14="http://schemas.microsoft.com/office/drawing/2010/main" w="9525">
+                  <a14:hiddenLine xmlns:a14="http://schemas.microsoft.com/office/drawing/2010/main" xmlns="" w="9525">
                     <a:solidFill>
                       <a:srgbClr val="000000"/>
                     </a:solidFill>
@@ -11288,7 +11288,7 @@
               </a:ln>
               <a:extLst>
                 <a:ext uri="{91240B29-F687-4f45-9708-019B960494DF}">
-                  <a14:hiddenLine xmlns="" xmlns:a14="http://schemas.microsoft.com/office/drawing/2010/main" w="9525">
+                  <a14:hiddenLine xmlns:a14="http://schemas.microsoft.com/office/drawing/2010/main" xmlns="" w="9525">
                     <a:solidFill>
                       <a:srgbClr val="000000"/>
                     </a:solidFill>
@@ -11378,7 +11378,7 @@
               </a:ln>
               <a:extLst>
                 <a:ext uri="{91240B29-F687-4f45-9708-019B960494DF}">
-                  <a14:hiddenLine xmlns="" xmlns:a14="http://schemas.microsoft.com/office/drawing/2010/main" w="9525">
+                  <a14:hiddenLine xmlns:a14="http://schemas.microsoft.com/office/drawing/2010/main" xmlns="" w="9525">
                     <a:solidFill>
                       <a:srgbClr val="000000"/>
                     </a:solidFill>
@@ -11443,7 +11443,7 @@
               </a:ln>
               <a:extLst>
                 <a:ext uri="{91240B29-F687-4f45-9708-019B960494DF}">
-                  <a14:hiddenLine xmlns="" xmlns:a14="http://schemas.microsoft.com/office/drawing/2010/main" w="9525">
+                  <a14:hiddenLine xmlns:a14="http://schemas.microsoft.com/office/drawing/2010/main" xmlns="" w="9525">
                     <a:solidFill>
                       <a:srgbClr val="000000"/>
                     </a:solidFill>
@@ -11533,7 +11533,7 @@
               </a:ln>
               <a:extLst>
                 <a:ext uri="{91240B29-F687-4f45-9708-019B960494DF}">
-                  <a14:hiddenLine xmlns="" xmlns:a14="http://schemas.microsoft.com/office/drawing/2010/main" w="9525">
+                  <a14:hiddenLine xmlns:a14="http://schemas.microsoft.com/office/drawing/2010/main" xmlns="" w="9525">
                     <a:solidFill>
                       <a:srgbClr val="000000"/>
                     </a:solidFill>
@@ -11601,7 +11601,7 @@
               </a:ln>
               <a:extLst>
                 <a:ext uri="{91240B29-F687-4f45-9708-019B960494DF}">
-                  <a14:hiddenLine xmlns="" xmlns:a14="http://schemas.microsoft.com/office/drawing/2010/main" w="9525">
+                  <a14:hiddenLine xmlns:a14="http://schemas.microsoft.com/office/drawing/2010/main" xmlns="" w="9525">
                     <a:solidFill>
                       <a:srgbClr val="000000"/>
                     </a:solidFill>
@@ -11691,7 +11691,7 @@
               </a:ln>
               <a:extLst>
                 <a:ext uri="{91240B29-F687-4f45-9708-019B960494DF}">
-                  <a14:hiddenLine xmlns="" xmlns:a14="http://schemas.microsoft.com/office/drawing/2010/main" w="9525">
+                  <a14:hiddenLine xmlns:a14="http://schemas.microsoft.com/office/drawing/2010/main" xmlns="" w="9525">
                     <a:solidFill>
                       <a:srgbClr val="000000"/>
                     </a:solidFill>
@@ -11759,7 +11759,7 @@
               </a:ln>
               <a:extLst>
                 <a:ext uri="{91240B29-F687-4f45-9708-019B960494DF}">
-                  <a14:hiddenLine xmlns="" xmlns:a14="http://schemas.microsoft.com/office/drawing/2010/main" w="9525">
+                  <a14:hiddenLine xmlns:a14="http://schemas.microsoft.com/office/drawing/2010/main" xmlns="" w="9525">
                     <a:solidFill>
                       <a:srgbClr val="000000"/>
                     </a:solidFill>
@@ -11849,7 +11849,7 @@
               </a:ln>
               <a:extLst>
                 <a:ext uri="{91240B29-F687-4f45-9708-019B960494DF}">
-                  <a14:hiddenLine xmlns="" xmlns:a14="http://schemas.microsoft.com/office/drawing/2010/main" w="9525">
+                  <a14:hiddenLine xmlns:a14="http://schemas.microsoft.com/office/drawing/2010/main" xmlns="" w="9525">
                     <a:solidFill>
                       <a:srgbClr val="000000"/>
                     </a:solidFill>
@@ -11883,7 +11883,7 @@
               </a:ln>
               <a:extLst>
                 <a:ext uri="{91240B29-F687-4f45-9708-019B960494DF}">
-                  <a14:hiddenLine xmlns="" xmlns:a14="http://schemas.microsoft.com/office/drawing/2010/main" w="9525">
+                  <a14:hiddenLine xmlns:a14="http://schemas.microsoft.com/office/drawing/2010/main" xmlns="" w="9525">
                     <a:solidFill>
                       <a:srgbClr val="000000"/>
                     </a:solidFill>
@@ -12023,7 +12023,7 @@
           <a:p>
             <a:fld id="{5ECF105A-3229-4493-8E31-24FFD8B2B0B2}" type="datetimeFigureOut">
               <a:rPr lang="en-CA" smtClean="0"/>
-              <a:t>2018-01-17</a:t>
+              <a:t>2018-01-18</a:t>
             </a:fld>
             <a:endParaRPr lang="en-CA"/>
           </a:p>
@@ -12656,15 +12656,7 @@
             </a:r>
             <a:r>
               <a:rPr lang="en-CA" sz="2400" dirty="0"/>
-              <a:t> 3.5 </a:t>
-            </a:r>
-            <a:r>
-              <a:rPr lang="en-CA" sz="2400"/>
-              <a:t>year software </a:t>
-            </a:r>
-            <a:r>
-              <a:rPr lang="en-CA" sz="2400" dirty="0"/>
-              <a:t>student</a:t>
+              <a:t> 3.5 year software student</a:t>
             </a:r>
           </a:p>
           <a:p>
@@ -12713,7 +12705,7 @@
           <a:p>
             <a:r>
               <a:rPr lang="en-CA" sz="2400" dirty="0"/>
-              <a:t>Interests:</a:t>
+              <a:t>Interests: solving nondeterministic and polynomial time problems</a:t>
             </a:r>
           </a:p>
         </p:txBody>
